--- a/Chenlei-- Presentation Slide.pptx
+++ b/Chenlei-- Presentation Slide.pptx
@@ -4944,8 +4944,8 @@
         </p:nvSpPr>
         <p:spPr>
           <a:xfrm>
-            <a:off x="-98276" y="836712"/>
-            <a:ext cx="5184576" cy="1008112"/>
+            <a:off x="1479" y="1052736"/>
+            <a:ext cx="4968552" cy="792088"/>
           </a:xfrm>
           <a:prstGeom prst="rect">
             <a:avLst/>
@@ -4979,10 +4979,10 @@
           <a:p>
             <a:pPr algn="ctr"/>
             <a:r>
-              <a:rPr lang="en-US" sz="7200" u="sng" dirty="0" smtClean="0"/>
+              <a:rPr lang="en-US" sz="6600" u="sng" dirty="0" smtClean="0"/>
               <a:t>Scrum</a:t>
             </a:r>
-            <a:endParaRPr lang="en-US" sz="7200" u="sng" dirty="0"/>
+            <a:endParaRPr lang="en-US" sz="6600" u="sng" dirty="0"/>
           </a:p>
         </p:txBody>
       </p:sp>
@@ -5352,7 +5352,7 @@
           </a:lstStyle>
           <a:p>
             <a:r>
-              <a:rPr lang="en-IE" dirty="0"/>
+              <a:rPr lang="en-IE" u="sng" dirty="0"/>
               <a:t>What we have done (User Stories)</a:t>
             </a:r>
           </a:p>
@@ -5512,29 +5512,7 @@
                   </a:schemeClr>
                 </a:solidFill>
               </a:rPr>
-              <a:t>– Keith </a:t>
-            </a:r>
-            <a:r>
-              <a:rPr lang="en-IE" sz="2800" dirty="0">
-                <a:solidFill>
-                  <a:schemeClr val="tx1">
-                    <a:lumMod val="65000"/>
-                    <a:lumOff val="35000"/>
-                  </a:schemeClr>
-                </a:solidFill>
-              </a:rPr>
-              <a:t>(Sprint </a:t>
-            </a:r>
-            <a:r>
-              <a:rPr lang="en-IE" sz="2800" dirty="0">
-                <a:solidFill>
-                  <a:schemeClr val="tx1">
-                    <a:lumMod val="65000"/>
-                    <a:lumOff val="35000"/>
-                  </a:schemeClr>
-                </a:solidFill>
-              </a:rPr>
-              <a:t>1-3)</a:t>
+              <a:t>– Keith (Sprint 1-3)</a:t>
             </a:r>
             <a:endParaRPr lang="en-US" sz="2800" dirty="0">
               <a:solidFill>
@@ -5557,7 +5535,7 @@
               <a:buChar char="•"/>
             </a:pPr>
             <a:r>
-              <a:rPr lang="en-IE" sz="2800" dirty="0">
+              <a:rPr lang="en-IE" sz="2800" dirty="0" smtClean="0">
                 <a:solidFill>
                   <a:schemeClr val="tx1">
                     <a:lumMod val="65000"/>
@@ -5565,7 +5543,7 @@
                   </a:schemeClr>
                 </a:solidFill>
               </a:rPr>
-              <a:t>Customer-Add </a:t>
+              <a:t>Admin-Comment </a:t>
             </a:r>
             <a:r>
               <a:rPr lang="en-IE" sz="2800" dirty="0">
@@ -5598,29 +5576,7 @@
                   </a:schemeClr>
                 </a:solidFill>
               </a:rPr>
-              <a:t> </a:t>
-            </a:r>
-            <a:r>
-              <a:rPr lang="en-IE" sz="2800" dirty="0">
-                <a:solidFill>
-                  <a:schemeClr val="tx1">
-                    <a:lumMod val="65000"/>
-                    <a:lumOff val="35000"/>
-                  </a:schemeClr>
-                </a:solidFill>
-              </a:rPr>
-              <a:t>(Sprint </a:t>
-            </a:r>
-            <a:r>
-              <a:rPr lang="en-IE" sz="2800" dirty="0">
-                <a:solidFill>
-                  <a:schemeClr val="tx1">
-                    <a:lumMod val="65000"/>
-                    <a:lumOff val="35000"/>
-                  </a:schemeClr>
-                </a:solidFill>
-              </a:rPr>
-              <a:t>1-2)</a:t>
+              <a:t> (Sprint 1-2)</a:t>
             </a:r>
           </a:p>
           <a:p>
@@ -5654,18 +5610,7 @@
                   </a:schemeClr>
                 </a:solidFill>
               </a:rPr>
-              <a:t> </a:t>
-            </a:r>
-            <a:r>
-              <a:rPr lang="en-IE" sz="2800" dirty="0">
-                <a:solidFill>
-                  <a:schemeClr val="tx1">
-                    <a:lumMod val="65000"/>
-                    <a:lumOff val="35000"/>
-                  </a:schemeClr>
-                </a:solidFill>
-              </a:rPr>
-              <a:t>– </a:t>
+              <a:t> – </a:t>
             </a:r>
             <a:r>
               <a:rPr lang="en-IE" sz="2800" dirty="0" err="1">
@@ -5786,7 +5731,7 @@
         </p:nvSpPr>
         <p:spPr>
           <a:xfrm>
-            <a:off x="621804" y="621756"/>
+            <a:off x="909836" y="1138064"/>
             <a:ext cx="8686801" cy="1066800"/>
           </a:xfrm>
           <a:prstGeom prst="rect">
@@ -5818,7 +5763,7 @@
           </a:lstStyle>
           <a:p>
             <a:r>
-              <a:rPr lang="en-IE" dirty="0"/>
+              <a:rPr lang="en-IE" u="sng" dirty="0"/>
               <a:t>What we have done (User Stories)</a:t>
             </a:r>
           </a:p>
@@ -5832,7 +5777,7 @@
         </p:nvSpPr>
         <p:spPr>
           <a:xfrm>
-            <a:off x="1592941" y="1257480"/>
+            <a:off x="2061964" y="2060848"/>
             <a:ext cx="7750697" cy="1116972"/>
           </a:xfrm>
           <a:prstGeom prst="rect">
@@ -5900,118 +5845,22 @@
       </p:sp>
       <p:pic>
         <p:nvPicPr>
-          <p:cNvPr id="2" name="Picture 1" descr="Screen Clipping"/>
+          <p:cNvPr id="8" name="Picture 7"/>
           <p:cNvPicPr>
             <a:picLocks noChangeAspect="1"/>
           </p:cNvPicPr>
           <p:nvPr/>
         </p:nvPicPr>
         <p:blipFill>
-          <a:blip r:embed="rId3">
-            <a:extLst>
-              <a:ext uri="{28A0092B-C50C-407E-A947-70E740481C1C}">
-                <a14:useLocalDpi xmlns:a14="http://schemas.microsoft.com/office/drawing/2010/main" val="0"/>
-              </a:ext>
-            </a:extLst>
-          </a:blip>
+          <a:blip r:embed="rId3"/>
           <a:stretch>
             <a:fillRect/>
           </a:stretch>
         </p:blipFill>
         <p:spPr>
           <a:xfrm>
-            <a:off x="2422004" y="2366500"/>
-            <a:ext cx="7192379" cy="619211"/>
-          </a:xfrm>
-          <a:prstGeom prst="rect">
-            <a:avLst/>
-          </a:prstGeom>
-        </p:spPr>
-      </p:pic>
-      <p:pic>
-        <p:nvPicPr>
-          <p:cNvPr id="5" name="Picture 4" descr="Screen Clipping"/>
-          <p:cNvPicPr>
-            <a:picLocks noChangeAspect="1"/>
-          </p:cNvPicPr>
-          <p:nvPr/>
-        </p:nvPicPr>
-        <p:blipFill>
-          <a:blip r:embed="rId4">
-            <a:extLst>
-              <a:ext uri="{28A0092B-C50C-407E-A947-70E740481C1C}">
-                <a14:useLocalDpi xmlns:a14="http://schemas.microsoft.com/office/drawing/2010/main" val="0"/>
-              </a:ext>
-            </a:extLst>
-          </a:blip>
-          <a:stretch>
-            <a:fillRect/>
-          </a:stretch>
-        </p:blipFill>
-        <p:spPr>
-          <a:xfrm>
-            <a:off x="2495989" y="3071561"/>
-            <a:ext cx="6982799" cy="685896"/>
-          </a:xfrm>
-          <a:prstGeom prst="rect">
-            <a:avLst/>
-          </a:prstGeom>
-        </p:spPr>
-      </p:pic>
-      <p:pic>
-        <p:nvPicPr>
-          <p:cNvPr id="6" name="Picture 5" descr="Screen Clipping"/>
-          <p:cNvPicPr>
-            <a:picLocks noChangeAspect="1"/>
-          </p:cNvPicPr>
-          <p:nvPr/>
-        </p:nvPicPr>
-        <p:blipFill>
-          <a:blip r:embed="rId5">
-            <a:extLst>
-              <a:ext uri="{28A0092B-C50C-407E-A947-70E740481C1C}">
-                <a14:useLocalDpi xmlns:a14="http://schemas.microsoft.com/office/drawing/2010/main" val="0"/>
-              </a:ext>
-            </a:extLst>
-          </a:blip>
-          <a:stretch>
-            <a:fillRect/>
-          </a:stretch>
-        </p:blipFill>
-        <p:spPr>
-          <a:xfrm>
-            <a:off x="2422004" y="3823280"/>
-            <a:ext cx="7030431" cy="1638529"/>
-          </a:xfrm>
-          <a:prstGeom prst="rect">
-            <a:avLst/>
-          </a:prstGeom>
-        </p:spPr>
-      </p:pic>
-      <p:pic>
-        <p:nvPicPr>
-          <p:cNvPr id="7" name="Picture 6" descr="Screen Clipping"/>
-          <p:cNvPicPr>
-            <a:picLocks noChangeAspect="1"/>
-          </p:cNvPicPr>
-          <p:nvPr/>
-        </p:nvPicPr>
-        <p:blipFill>
-          <a:blip r:embed="rId6">
-            <a:extLst>
-              <a:ext uri="{28A0092B-C50C-407E-A947-70E740481C1C}">
-                <a14:useLocalDpi xmlns:a14="http://schemas.microsoft.com/office/drawing/2010/main" val="0"/>
-              </a:ext>
-            </a:extLst>
-          </a:blip>
-          <a:stretch>
-            <a:fillRect/>
-          </a:stretch>
-        </p:blipFill>
-        <p:spPr>
-          <a:xfrm>
-            <a:off x="2501312" y="5517232"/>
-            <a:ext cx="7049484" cy="990738"/>
+            <a:off x="6166420" y="2780928"/>
+            <a:ext cx="5172075" cy="3514725"/>
           </a:xfrm>
           <a:prstGeom prst="rect">
             <a:avLst/>
@@ -6073,7 +5922,7 @@
         </p:nvSpPr>
         <p:spPr>
           <a:xfrm>
-            <a:off x="981844" y="980728"/>
+            <a:off x="1019979" y="1334725"/>
             <a:ext cx="8686801" cy="1066800"/>
           </a:xfrm>
           <a:prstGeom prst="rect">
@@ -6105,9 +5954,14 @@
           </a:lstStyle>
           <a:p>
             <a:r>
-              <a:rPr lang="en-IE" dirty="0"/>
-              <a:t>Sprints 1-3</a:t>
-            </a:r>
+              <a:rPr lang="en-IE" u="sng" dirty="0"/>
+              <a:t>Sprints </a:t>
+            </a:r>
+            <a:r>
+              <a:rPr lang="en-IE" u="sng" dirty="0" smtClean="0"/>
+              <a:t>1-3 (Roles)</a:t>
+            </a:r>
+            <a:endParaRPr lang="en-IE" u="sng" dirty="0"/>
           </a:p>
         </p:txBody>
       </p:sp>
@@ -6119,7 +5973,7 @@
           </p:cNvPicPr>
           <p:nvPr/>
         </p:nvPicPr>
-        <p:blipFill>
+        <p:blipFill rotWithShape="1">
           <a:blip r:embed="rId3">
             <a:extLst>
               <a:ext uri="{28A0092B-C50C-407E-A947-70E740481C1C}">
@@ -6127,14 +5981,71 @@
               </a:ext>
             </a:extLst>
           </a:blip>
-          <a:stretch>
-            <a:fillRect/>
-          </a:stretch>
+          <a:srcRect r="3096" b="68439"/>
+          <a:stretch/>
         </p:blipFill>
         <p:spPr>
           <a:xfrm>
-            <a:off x="4438228" y="1628800"/>
-            <a:ext cx="3105583" cy="4563112"/>
+            <a:off x="837828" y="2479575"/>
+            <a:ext cx="3400515" cy="1627311"/>
+          </a:xfrm>
+          <a:prstGeom prst="rect">
+            <a:avLst/>
+          </a:prstGeom>
+        </p:spPr>
+      </p:pic>
+      <p:pic>
+        <p:nvPicPr>
+          <p:cNvPr id="4" name="Picture 3" descr="Screen Clipping"/>
+          <p:cNvPicPr>
+            <a:picLocks noChangeAspect="1"/>
+          </p:cNvPicPr>
+          <p:nvPr/>
+        </p:nvPicPr>
+        <p:blipFill rotWithShape="1">
+          <a:blip r:embed="rId3">
+            <a:extLst>
+              <a:ext uri="{28A0092B-C50C-407E-A947-70E740481C1C}">
+                <a14:useLocalDpi xmlns:a14="http://schemas.microsoft.com/office/drawing/2010/main" val="0"/>
+              </a:ext>
+            </a:extLst>
+          </a:blip>
+          <a:srcRect l="-1548" t="33139" r="297" b="32144"/>
+          <a:stretch/>
+        </p:blipFill>
+        <p:spPr>
+          <a:xfrm>
+            <a:off x="4238343" y="2408294"/>
+            <a:ext cx="3371522" cy="1698592"/>
+          </a:xfrm>
+          <a:prstGeom prst="rect">
+            <a:avLst/>
+          </a:prstGeom>
+        </p:spPr>
+      </p:pic>
+      <p:pic>
+        <p:nvPicPr>
+          <p:cNvPr id="6" name="Picture 5" descr="Screen Clipping"/>
+          <p:cNvPicPr>
+            <a:picLocks noChangeAspect="1"/>
+          </p:cNvPicPr>
+          <p:nvPr/>
+        </p:nvPicPr>
+        <p:blipFill rotWithShape="1">
+          <a:blip r:embed="rId3">
+            <a:extLst>
+              <a:ext uri="{28A0092B-C50C-407E-A947-70E740481C1C}">
+                <a14:useLocalDpi xmlns:a14="http://schemas.microsoft.com/office/drawing/2010/main" val="0"/>
+              </a:ext>
+            </a:extLst>
+          </a:blip>
+          <a:srcRect t="67672" r="297"/>
+          <a:stretch/>
+        </p:blipFill>
+        <p:spPr>
+          <a:xfrm>
+            <a:off x="7998917" y="2368777"/>
+            <a:ext cx="3415726" cy="1627311"/>
           </a:xfrm>
           <a:prstGeom prst="rect">
             <a:avLst/>
@@ -6228,7 +6139,7 @@
           </a:lstStyle>
           <a:p>
             <a:r>
-              <a:rPr lang="en-IE" dirty="0"/>
+              <a:rPr lang="en-IE" u="sng" dirty="0"/>
               <a:t>Daily Meeting</a:t>
             </a:r>
           </a:p>
@@ -6286,18 +6197,7 @@
                   </a:schemeClr>
                 </a:solidFill>
               </a:rPr>
-              <a:t>What </a:t>
-            </a:r>
-            <a:r>
-              <a:rPr lang="en-IE" sz="2800" dirty="0">
-                <a:solidFill>
-                  <a:schemeClr val="tx1">
-                    <a:lumMod val="65000"/>
-                    <a:lumOff val="35000"/>
-                  </a:schemeClr>
-                </a:solidFill>
-              </a:rPr>
-              <a:t>are you going to do for today?</a:t>
+              <a:t>What are you going to do for today?</a:t>
             </a:r>
           </a:p>
           <a:p>
@@ -6314,18 +6214,7 @@
                   </a:schemeClr>
                 </a:solidFill>
               </a:rPr>
-              <a:t>Issues</a:t>
-            </a:r>
-            <a:r>
-              <a:rPr lang="en-IE" sz="2800" dirty="0">
-                <a:solidFill>
-                  <a:schemeClr val="tx1">
-                    <a:lumMod val="65000"/>
-                    <a:lumOff val="35000"/>
-                  </a:schemeClr>
-                </a:solidFill>
-              </a:rPr>
-              <a:t>?</a:t>
+              <a:t>Issues?</a:t>
             </a:r>
           </a:p>
         </p:txBody>
@@ -6441,10 +6330,9 @@
           </a:lstStyle>
           <a:p>
             <a:r>
-              <a:rPr lang="en-IE" dirty="0"/>
+              <a:rPr lang="en-IE" u="sng" dirty="0"/>
               <a:t>Future Sprint and work</a:t>
             </a:r>
-            <a:endParaRPr lang="en-IE" dirty="0"/>
           </a:p>
         </p:txBody>
       </p:sp>
@@ -6456,8 +6344,8 @@
         </p:nvSpPr>
         <p:spPr>
           <a:xfrm>
-            <a:off x="1917948" y="1772816"/>
-            <a:ext cx="7750697" cy="3319498"/>
+            <a:off x="1053852" y="2075765"/>
+            <a:ext cx="4968552" cy="3319498"/>
           </a:xfrm>
           <a:prstGeom prst="rect">
             <a:avLst/>
@@ -6704,7 +6592,7 @@
         </p:blipFill>
         <p:spPr>
           <a:xfrm>
-            <a:off x="2277988" y="4373076"/>
+            <a:off x="6742484" y="2708920"/>
             <a:ext cx="3324689" cy="1438476"/>
           </a:xfrm>
           <a:prstGeom prst="rect">

--- a/Chenlei-- Presentation Slide.pptx
+++ b/Chenlei-- Presentation Slide.pptx
@@ -1,24 +1,24 @@
 
 <file path=ppt/presentation.xml><?xml version="1.0" encoding="utf-8"?>
-<p:presentation xmlns:a="http://schemas.openxmlformats.org/drawingml/2006/main" xmlns:r="http://schemas.openxmlformats.org/officeDocument/2006/relationships" xmlns:p="http://schemas.openxmlformats.org/presentationml/2006/main" saveSubsetFonts="1" autoCompressPictures="0">
+<p:presentation xmlns:a="http://schemas.openxmlformats.org/drawingml/2006/main" xmlns:r="http://schemas.openxmlformats.org/officeDocument/2006/relationships" xmlns:p="http://schemas.openxmlformats.org/presentationml/2006/main" autoCompressPictures="0">
   <p:sldMasterIdLst>
     <p:sldMasterId id="2147483648" r:id="rId1"/>
   </p:sldMasterIdLst>
   <p:notesMasterIdLst>
-    <p:notesMasterId r:id="rId10"/>
+    <p:notesMasterId r:id="rId11"/>
   </p:notesMasterIdLst>
   <p:handoutMasterIdLst>
-    <p:handoutMasterId r:id="rId11"/>
+    <p:handoutMasterId r:id="rId12"/>
   </p:handoutMasterIdLst>
   <p:sldIdLst>
-    <p:sldId id="256" r:id="rId2"/>
-    <p:sldId id="269" r:id="rId3"/>
-    <p:sldId id="270" r:id="rId4"/>
-    <p:sldId id="272" r:id="rId5"/>
-    <p:sldId id="276" r:id="rId6"/>
-    <p:sldId id="275" r:id="rId7"/>
+    <p:sldId id="256" r:id="rId3"/>
+    <p:sldId id="269" r:id="rId4"/>
+    <p:sldId id="270" r:id="rId5"/>
+    <p:sldId id="272" r:id="rId6"/>
+    <p:sldId id="276" r:id="rId7"/>
     <p:sldId id="273" r:id="rId8"/>
-    <p:sldId id="274" r:id="rId9"/>
+    <p:sldId id="275" r:id="rId9"/>
+    <p:sldId id="274" r:id="rId10"/>
   </p:sldIdLst>
   <p:sldSz cx="12188825" cy="6858000"/>
   <p:notesSz cx="6858000" cy="9144000"/>
@@ -117,25 +117,6 @@
       </a:defRPr>
     </a:lvl9pPr>
   </p:defaultTextStyle>
-  <p:extLst>
-    <p:ext uri="{EFAFB233-063F-42B5-8137-9DF3F51BA10A}">
-      <p15:sldGuideLst xmlns:p15="http://schemas.microsoft.com/office/powerpoint/2012/main">
-        <p15:guide id="1" orient="horz" pos="2160">
-          <p15:clr>
-            <a:srgbClr val="A4A3A4"/>
-          </p15:clr>
-        </p15:guide>
-        <p15:guide id="8" pos="3839">
-          <p15:clr>
-            <a:srgbClr val="A4A3A4"/>
-          </p15:clr>
-        </p15:guide>
-      </p15:sldGuideLst>
-    </p:ext>
-    <p:ext uri="{2D200454-40CA-4A62-9FC3-DE9A4176ACB9}">
-      <p15:notesGuideLst xmlns:p15="http://schemas.microsoft.com/office/powerpoint/2012/main"/>
-    </p:ext>
-  </p:extLst>
 </p:presentation>
 </file>
 
@@ -187,9 +168,7 @@
               <a:defRPr sz="1200"/>
             </a:lvl1pPr>
           </a:lstStyle>
-          <a:p>
-            <a:endParaRPr/>
-          </a:p>
+          <a:p/>
         </p:txBody>
       </p:sp>
       <p:sp>
@@ -221,9 +200,8 @@
           <a:p>
             <a:fld id="{24CE221E-83ED-4F6C-BA5F-3F9E6FDB6953}" type="datetimeFigureOut">
               <a:rPr lang="en-US"/>
-              <a:t>6/11/2018</a:t>
             </a:fld>
-            <a:endParaRPr/>
+            <a:endParaRPr lang="en-US"/>
           </a:p>
         </p:txBody>
       </p:sp>
@@ -253,9 +231,7 @@
               <a:defRPr sz="1200"/>
             </a:lvl1pPr>
           </a:lstStyle>
-          <a:p>
-            <a:endParaRPr/>
-          </a:p>
+          <a:p/>
         </p:txBody>
       </p:sp>
       <p:sp>
@@ -287,18 +263,12 @@
           <a:p>
             <a:fld id="{CA4CBEF8-5CDE-472B-839B-B8BB0C881006}" type="slidenum">
               <a:rPr/>
-              <a:t>‹#›</a:t>
             </a:fld>
             <a:endParaRPr/>
           </a:p>
         </p:txBody>
       </p:sp>
     </p:spTree>
-    <p:extLst>
-      <p:ext uri="{BB962C8B-B14F-4D97-AF65-F5344CB8AC3E}">
-        <p14:creationId xmlns:p14="http://schemas.microsoft.com/office/powerpoint/2010/main" val="4263289295"/>
-      </p:ext>
-    </p:extLst>
   </p:cSld>
   <p:clrMap bg1="lt1" tx1="dk1" bg2="lt2" tx2="dk2" accent1="accent1" accent2="accent2" accent3="accent3" accent4="accent4" accent5="accent5" accent6="accent6" hlink="hlink" folHlink="folHlink"/>
 </p:handoutMaster>
@@ -352,9 +322,7 @@
               <a:defRPr sz="1200"/>
             </a:lvl1pPr>
           </a:lstStyle>
-          <a:p>
-            <a:endParaRPr/>
-          </a:p>
+          <a:p/>
         </p:txBody>
       </p:sp>
       <p:sp>
@@ -386,9 +354,8 @@
           <a:p>
             <a:fld id="{97853E5F-CE67-483C-A264-F17AC70E9CA2}" type="datetimeFigureOut">
               <a:rPr lang="en-US"/>
-              <a:t>6/11/2018</a:t>
             </a:fld>
-            <a:endParaRPr/>
+            <a:endParaRPr lang="en-US"/>
           </a:p>
         </p:txBody>
       </p:sp>
@@ -420,9 +387,7 @@
         <p:txBody>
           <a:bodyPr vert="horz" lIns="91440" tIns="45720" rIns="91440" bIns="45720" rtlCol="0" anchor="ctr"/>
           <a:lstStyle/>
-          <a:p>
-            <a:endParaRPr/>
-          </a:p>
+          <a:p/>
         </p:txBody>
       </p:sp>
       <p:sp>
@@ -450,35 +415,30 @@
           <a:p>
             <a:pPr lvl="0"/>
             <a:r>
-              <a:rPr/>
               <a:t>Click to edit Master text styles</a:t>
             </a:r>
           </a:p>
           <a:p>
             <a:pPr lvl="1"/>
             <a:r>
-              <a:rPr/>
               <a:t>Second level</a:t>
             </a:r>
           </a:p>
           <a:p>
             <a:pPr lvl="2"/>
             <a:r>
-              <a:rPr/>
               <a:t>Third level</a:t>
             </a:r>
           </a:p>
           <a:p>
             <a:pPr lvl="3"/>
             <a:r>
-              <a:rPr/>
               <a:t>Fourth level</a:t>
             </a:r>
           </a:p>
           <a:p>
             <a:pPr lvl="4"/>
             <a:r>
-              <a:rPr/>
               <a:t>Fifth level</a:t>
             </a:r>
           </a:p>
@@ -510,9 +470,7 @@
               <a:defRPr sz="1200"/>
             </a:lvl1pPr>
           </a:lstStyle>
-          <a:p>
-            <a:endParaRPr/>
-          </a:p>
+          <a:p/>
         </p:txBody>
       </p:sp>
       <p:sp>
@@ -544,18 +502,12 @@
           <a:p>
             <a:fld id="{6BB98AFB-CB0D-4DFE-87B9-B4B0D0DE73CD}" type="slidenum">
               <a:rPr/>
-              <a:t>‹#›</a:t>
             </a:fld>
             <a:endParaRPr/>
           </a:p>
         </p:txBody>
       </p:sp>
     </p:spTree>
-    <p:extLst>
-      <p:ext uri="{BB962C8B-B14F-4D97-AF65-F5344CB8AC3E}">
-        <p14:creationId xmlns:p14="http://schemas.microsoft.com/office/powerpoint/2010/main" val="2512805817"/>
-      </p:ext>
-    </p:extLst>
   </p:cSld>
   <p:clrMap bg1="lt1" tx1="dk1" bg2="lt2" tx2="dk2" accent1="accent1" accent2="accent2" accent3="accent3" accent4="accent4" accent5="accent5" accent6="accent6" hlink="hlink" folHlink="folHlink"/>
   <p:notesStyle>
@@ -714,7 +666,7 @@
               <a:rPr lang="en-US" smtClean="0"/>
               <a:t>Click to edit Master title style</a:t>
             </a:r>
-            <a:endParaRPr/>
+            <a:endParaRPr lang="en-US" smtClean="0"/>
           </a:p>
         </p:txBody>
       </p:sp>
@@ -839,7 +791,7 @@
               <a:rPr lang="en-US" smtClean="0"/>
               <a:t>Click to edit Master subtitle style</a:t>
             </a:r>
-            <a:endParaRPr/>
+            <a:endParaRPr lang="en-US" smtClean="0"/>
           </a:p>
         </p:txBody>
       </p:sp>
@@ -883,9 +835,8 @@
           <a:p>
             <a:fld id="{3E0FA9E5-6744-4841-888F-9E7CC0C2B7EC}" type="datetimeFigureOut">
               <a:rPr lang="en-US"/>
-              <a:t>6/11/2018</a:t>
             </a:fld>
-            <a:endParaRPr/>
+            <a:endParaRPr lang="en-US"/>
           </a:p>
         </p:txBody>
       </p:sp>
@@ -906,29 +857,23 @@
           <a:p>
             <a:fld id="{AAEAE4A8-A6E5-453E-B946-FB774B73F48C}" type="slidenum">
               <a:rPr/>
-              <a:t>‹#›</a:t>
             </a:fld>
             <a:endParaRPr/>
           </a:p>
         </p:txBody>
       </p:sp>
     </p:spTree>
-    <p:extLst>
-      <p:ext uri="{BB962C8B-B14F-4D97-AF65-F5344CB8AC3E}">
-        <p14:creationId xmlns:p14="http://schemas.microsoft.com/office/powerpoint/2010/main" val="664752039"/>
-      </p:ext>
-    </p:extLst>
   </p:cSld>
   <p:clrMapOvr>
     <a:masterClrMapping/>
   </p:clrMapOvr>
-  <mc:AlternateContent xmlns:mc="http://schemas.openxmlformats.org/markup-compatibility/2006" xmlns:p14="http://schemas.microsoft.com/office/powerpoint/2010/main">
-    <mc:Choice Requires="p14">
+  <mc:AlternateContent xmlns:mc="http://schemas.openxmlformats.org/markup-compatibility/2006">
+    <mc:Choice xmlns:p14="http://schemas.microsoft.com/office/powerpoint/2010/main" Requires="p14">
       <p:transition spd="med" p14:dur="700">
         <p:fade/>
       </p:transition>
     </mc:Choice>
-    <mc:Fallback xmlns="">
+    <mc:Fallback>
       <p:transition spd="med">
         <p:fade/>
       </p:transition>
@@ -973,7 +918,7 @@
               <a:rPr lang="en-US" smtClean="0"/>
               <a:t>Click to edit Master title style</a:t>
             </a:r>
-            <a:endParaRPr/>
+            <a:endParaRPr lang="en-US" smtClean="0"/>
           </a:p>
         </p:txBody>
       </p:sp>
@@ -997,6 +942,7 @@
               <a:rPr lang="en-US" smtClean="0"/>
               <a:t>Edit Master text styles</a:t>
             </a:r>
+            <a:endParaRPr lang="en-US" smtClean="0"/>
           </a:p>
           <a:p>
             <a:pPr lvl="1"/>
@@ -1004,6 +950,7 @@
               <a:rPr lang="en-US" smtClean="0"/>
               <a:t>Second level</a:t>
             </a:r>
+            <a:endParaRPr lang="en-US" smtClean="0"/>
           </a:p>
           <a:p>
             <a:pPr lvl="2"/>
@@ -1011,6 +958,7 @@
               <a:rPr lang="en-US" smtClean="0"/>
               <a:t>Third level</a:t>
             </a:r>
+            <a:endParaRPr lang="en-US" smtClean="0"/>
           </a:p>
           <a:p>
             <a:pPr lvl="3"/>
@@ -1018,6 +966,7 @@
               <a:rPr lang="en-US" smtClean="0"/>
               <a:t>Fourth level</a:t>
             </a:r>
+            <a:endParaRPr lang="en-US" smtClean="0"/>
           </a:p>
           <a:p>
             <a:pPr lvl="4"/>
@@ -1025,7 +974,7 @@
               <a:rPr lang="en-US" smtClean="0"/>
               <a:t>Fifth level</a:t>
             </a:r>
-            <a:endParaRPr/>
+            <a:endParaRPr lang="en-US" smtClean="0"/>
           </a:p>
         </p:txBody>
       </p:sp>
@@ -1069,9 +1018,8 @@
           <a:p>
             <a:fld id="{3E0FA9E5-6744-4841-888F-9E7CC0C2B7EC}" type="datetimeFigureOut">
               <a:rPr lang="en-US"/>
-              <a:t>6/11/2018</a:t>
             </a:fld>
-            <a:endParaRPr/>
+            <a:endParaRPr lang="en-US"/>
           </a:p>
         </p:txBody>
       </p:sp>
@@ -1092,29 +1040,23 @@
           <a:p>
             <a:fld id="{AAEAE4A8-A6E5-453E-B946-FB774B73F48C}" type="slidenum">
               <a:rPr/>
-              <a:t>‹#›</a:t>
             </a:fld>
             <a:endParaRPr/>
           </a:p>
         </p:txBody>
       </p:sp>
     </p:spTree>
-    <p:extLst>
-      <p:ext uri="{BB962C8B-B14F-4D97-AF65-F5344CB8AC3E}">
-        <p14:creationId xmlns:p14="http://schemas.microsoft.com/office/powerpoint/2010/main" val="2668093585"/>
-      </p:ext>
-    </p:extLst>
   </p:cSld>
   <p:clrMapOvr>
     <a:masterClrMapping/>
   </p:clrMapOvr>
-  <mc:AlternateContent xmlns:mc="http://schemas.openxmlformats.org/markup-compatibility/2006" xmlns:p14="http://schemas.microsoft.com/office/powerpoint/2010/main">
-    <mc:Choice Requires="p14">
+  <mc:AlternateContent xmlns:mc="http://schemas.openxmlformats.org/markup-compatibility/2006">
+    <mc:Choice xmlns:p14="http://schemas.microsoft.com/office/powerpoint/2010/main" Requires="p14">
       <p:transition spd="med" p14:dur="700">
         <p:fade/>
       </p:transition>
     </mc:Choice>
-    <mc:Fallback xmlns="">
+    <mc:Fallback>
       <p:transition spd="med">
         <p:fade/>
       </p:transition>
@@ -1164,7 +1106,7 @@
               <a:rPr lang="en-US" smtClean="0"/>
               <a:t>Click to edit Master title style</a:t>
             </a:r>
-            <a:endParaRPr/>
+            <a:endParaRPr lang="en-US" smtClean="0"/>
           </a:p>
         </p:txBody>
       </p:sp>
@@ -1193,6 +1135,7 @@
               <a:rPr lang="en-US" smtClean="0"/>
               <a:t>Edit Master text styles</a:t>
             </a:r>
+            <a:endParaRPr lang="en-US" smtClean="0"/>
           </a:p>
           <a:p>
             <a:pPr lvl="1"/>
@@ -1200,6 +1143,7 @@
               <a:rPr lang="en-US" smtClean="0"/>
               <a:t>Second level</a:t>
             </a:r>
+            <a:endParaRPr lang="en-US" smtClean="0"/>
           </a:p>
           <a:p>
             <a:pPr lvl="2"/>
@@ -1207,6 +1151,7 @@
               <a:rPr lang="en-US" smtClean="0"/>
               <a:t>Third level</a:t>
             </a:r>
+            <a:endParaRPr lang="en-US" smtClean="0"/>
           </a:p>
           <a:p>
             <a:pPr lvl="3"/>
@@ -1214,6 +1159,7 @@
               <a:rPr lang="en-US" smtClean="0"/>
               <a:t>Fourth level</a:t>
             </a:r>
+            <a:endParaRPr lang="en-US" smtClean="0"/>
           </a:p>
           <a:p>
             <a:pPr lvl="4"/>
@@ -1221,7 +1167,7 @@
               <a:rPr lang="en-US" smtClean="0"/>
               <a:t>Fifth level</a:t>
             </a:r>
-            <a:endParaRPr/>
+            <a:endParaRPr lang="en-US" smtClean="0"/>
           </a:p>
         </p:txBody>
       </p:sp>
@@ -1265,9 +1211,8 @@
           <a:p>
             <a:fld id="{3E0FA9E5-6744-4841-888F-9E7CC0C2B7EC}" type="datetimeFigureOut">
               <a:rPr lang="en-US"/>
-              <a:t>6/11/2018</a:t>
             </a:fld>
-            <a:endParaRPr/>
+            <a:endParaRPr lang="en-US"/>
           </a:p>
         </p:txBody>
       </p:sp>
@@ -1288,29 +1233,23 @@
           <a:p>
             <a:fld id="{AAEAE4A8-A6E5-453E-B946-FB774B73F48C}" type="slidenum">
               <a:rPr/>
-              <a:t>‹#›</a:t>
             </a:fld>
             <a:endParaRPr/>
           </a:p>
         </p:txBody>
       </p:sp>
     </p:spTree>
-    <p:extLst>
-      <p:ext uri="{BB962C8B-B14F-4D97-AF65-F5344CB8AC3E}">
-        <p14:creationId xmlns:p14="http://schemas.microsoft.com/office/powerpoint/2010/main" val="188244993"/>
-      </p:ext>
-    </p:extLst>
   </p:cSld>
   <p:clrMapOvr>
     <a:masterClrMapping/>
   </p:clrMapOvr>
-  <mc:AlternateContent xmlns:mc="http://schemas.openxmlformats.org/markup-compatibility/2006" xmlns:p14="http://schemas.microsoft.com/office/powerpoint/2010/main">
-    <mc:Choice Requires="p14">
+  <mc:AlternateContent xmlns:mc="http://schemas.openxmlformats.org/markup-compatibility/2006">
+    <mc:Choice xmlns:p14="http://schemas.microsoft.com/office/powerpoint/2010/main" Requires="p14">
       <p:transition spd="med" p14:dur="700">
         <p:fade/>
       </p:transition>
     </mc:Choice>
-    <mc:Fallback xmlns="">
+    <mc:Fallback>
       <p:transition spd="med">
         <p:fade/>
       </p:transition>
@@ -1355,7 +1294,7 @@
               <a:rPr lang="en-US" smtClean="0"/>
               <a:t>Click to edit Master title style</a:t>
             </a:r>
-            <a:endParaRPr/>
+            <a:endParaRPr lang="en-US" smtClean="0"/>
           </a:p>
         </p:txBody>
       </p:sp>
@@ -1379,6 +1318,7 @@
               <a:rPr lang="en-US" smtClean="0"/>
               <a:t>Edit Master text styles</a:t>
             </a:r>
+            <a:endParaRPr lang="en-US" smtClean="0"/>
           </a:p>
           <a:p>
             <a:pPr lvl="1"/>
@@ -1386,6 +1326,7 @@
               <a:rPr lang="en-US" smtClean="0"/>
               <a:t>Second level</a:t>
             </a:r>
+            <a:endParaRPr lang="en-US" smtClean="0"/>
           </a:p>
           <a:p>
             <a:pPr lvl="2"/>
@@ -1393,6 +1334,7 @@
               <a:rPr lang="en-US" smtClean="0"/>
               <a:t>Third level</a:t>
             </a:r>
+            <a:endParaRPr lang="en-US" smtClean="0"/>
           </a:p>
           <a:p>
             <a:pPr lvl="3"/>
@@ -1400,6 +1342,7 @@
               <a:rPr lang="en-US" smtClean="0"/>
               <a:t>Fourth level</a:t>
             </a:r>
+            <a:endParaRPr lang="en-US" smtClean="0"/>
           </a:p>
           <a:p>
             <a:pPr lvl="4"/>
@@ -1407,7 +1350,7 @@
               <a:rPr lang="en-US" smtClean="0"/>
               <a:t>Fifth level</a:t>
             </a:r>
-            <a:endParaRPr/>
+            <a:endParaRPr lang="en-US" smtClean="0"/>
           </a:p>
         </p:txBody>
       </p:sp>
@@ -1451,9 +1394,8 @@
           <a:p>
             <a:fld id="{3E0FA9E5-6744-4841-888F-9E7CC0C2B7EC}" type="datetimeFigureOut">
               <a:rPr lang="en-US"/>
-              <a:t>6/11/2018</a:t>
             </a:fld>
-            <a:endParaRPr/>
+            <a:endParaRPr lang="en-US"/>
           </a:p>
         </p:txBody>
       </p:sp>
@@ -1474,29 +1416,23 @@
           <a:p>
             <a:fld id="{AAEAE4A8-A6E5-453E-B946-FB774B73F48C}" type="slidenum">
               <a:rPr/>
-              <a:t>‹#›</a:t>
             </a:fld>
             <a:endParaRPr/>
           </a:p>
         </p:txBody>
       </p:sp>
     </p:spTree>
-    <p:extLst>
-      <p:ext uri="{BB962C8B-B14F-4D97-AF65-F5344CB8AC3E}">
-        <p14:creationId xmlns:p14="http://schemas.microsoft.com/office/powerpoint/2010/main" val="2429153314"/>
-      </p:ext>
-    </p:extLst>
   </p:cSld>
   <p:clrMapOvr>
     <a:masterClrMapping/>
   </p:clrMapOvr>
-  <mc:AlternateContent xmlns:mc="http://schemas.openxmlformats.org/markup-compatibility/2006" xmlns:p14="http://schemas.microsoft.com/office/powerpoint/2010/main">
-    <mc:Choice Requires="p14">
+  <mc:AlternateContent xmlns:mc="http://schemas.openxmlformats.org/markup-compatibility/2006">
+    <mc:Choice xmlns:p14="http://schemas.microsoft.com/office/powerpoint/2010/main" Requires="p14">
       <p:transition spd="med" p14:dur="700">
         <p:fade/>
       </p:transition>
     </mc:Choice>
-    <mc:Fallback xmlns="">
+    <mc:Fallback>
       <p:transition spd="med">
         <p:fade/>
       </p:transition>
@@ -1566,7 +1502,7 @@
               <a:rPr lang="en-US" smtClean="0"/>
               <a:t>Click to edit Master title style</a:t>
             </a:r>
-            <a:endParaRPr/>
+            <a:endParaRPr lang="en-US" smtClean="0"/>
           </a:p>
         </p:txBody>
       </p:sp>
@@ -1692,6 +1628,7 @@
               <a:rPr lang="en-US" smtClean="0"/>
               <a:t>Edit Master text styles</a:t>
             </a:r>
+            <a:endParaRPr lang="en-US" smtClean="0"/>
           </a:p>
         </p:txBody>
       </p:sp>
@@ -1735,9 +1672,8 @@
           <a:p>
             <a:fld id="{3E0FA9E5-6744-4841-888F-9E7CC0C2B7EC}" type="datetimeFigureOut">
               <a:rPr lang="en-US"/>
-              <a:t>6/11/2018</a:t>
             </a:fld>
-            <a:endParaRPr/>
+            <a:endParaRPr lang="en-US"/>
           </a:p>
         </p:txBody>
       </p:sp>
@@ -1758,29 +1694,23 @@
           <a:p>
             <a:fld id="{AAEAE4A8-A6E5-453E-B946-FB774B73F48C}" type="slidenum">
               <a:rPr/>
-              <a:t>‹#›</a:t>
             </a:fld>
             <a:endParaRPr/>
           </a:p>
         </p:txBody>
       </p:sp>
     </p:spTree>
-    <p:extLst>
-      <p:ext uri="{BB962C8B-B14F-4D97-AF65-F5344CB8AC3E}">
-        <p14:creationId xmlns:p14="http://schemas.microsoft.com/office/powerpoint/2010/main" val="3701331266"/>
-      </p:ext>
-    </p:extLst>
   </p:cSld>
   <p:clrMapOvr>
     <a:masterClrMapping/>
   </p:clrMapOvr>
-  <mc:AlternateContent xmlns:mc="http://schemas.openxmlformats.org/markup-compatibility/2006" xmlns:p14="http://schemas.microsoft.com/office/powerpoint/2010/main">
-    <mc:Choice Requires="p14">
+  <mc:AlternateContent xmlns:mc="http://schemas.openxmlformats.org/markup-compatibility/2006">
+    <mc:Choice xmlns:p14="http://schemas.microsoft.com/office/powerpoint/2010/main" Requires="p14">
       <p:transition spd="med" p14:dur="700">
         <p:fade/>
       </p:transition>
     </mc:Choice>
-    <mc:Fallback xmlns="">
+    <mc:Fallback>
       <p:transition spd="med">
         <p:fade/>
       </p:transition>
@@ -1825,7 +1755,7 @@
               <a:rPr lang="en-US" smtClean="0"/>
               <a:t>Click to edit Master title style</a:t>
             </a:r>
-            <a:endParaRPr/>
+            <a:endParaRPr lang="en-US" smtClean="0"/>
           </a:p>
         </p:txBody>
       </p:sp>
@@ -1884,6 +1814,7 @@
               <a:rPr lang="en-US" smtClean="0"/>
               <a:t>Edit Master text styles</a:t>
             </a:r>
+            <a:endParaRPr lang="en-US" smtClean="0"/>
           </a:p>
           <a:p>
             <a:pPr lvl="1"/>
@@ -1891,6 +1822,7 @@
               <a:rPr lang="en-US" smtClean="0"/>
               <a:t>Second level</a:t>
             </a:r>
+            <a:endParaRPr lang="en-US" smtClean="0"/>
           </a:p>
           <a:p>
             <a:pPr lvl="2"/>
@@ -1898,6 +1830,7 @@
               <a:rPr lang="en-US" smtClean="0"/>
               <a:t>Third level</a:t>
             </a:r>
+            <a:endParaRPr lang="en-US" smtClean="0"/>
           </a:p>
           <a:p>
             <a:pPr lvl="3"/>
@@ -1905,6 +1838,7 @@
               <a:rPr lang="en-US" smtClean="0"/>
               <a:t>Fourth level</a:t>
             </a:r>
+            <a:endParaRPr lang="en-US" smtClean="0"/>
           </a:p>
           <a:p>
             <a:pPr lvl="4"/>
@@ -1912,7 +1846,7 @@
               <a:rPr lang="en-US" smtClean="0"/>
               <a:t>Fifth level</a:t>
             </a:r>
-            <a:endParaRPr/>
+            <a:endParaRPr lang="en-US" smtClean="0"/>
           </a:p>
         </p:txBody>
       </p:sp>
@@ -1971,6 +1905,7 @@
               <a:rPr lang="en-US" smtClean="0"/>
               <a:t>Edit Master text styles</a:t>
             </a:r>
+            <a:endParaRPr lang="en-US" smtClean="0"/>
           </a:p>
           <a:p>
             <a:pPr lvl="1"/>
@@ -1978,6 +1913,7 @@
               <a:rPr lang="en-US" smtClean="0"/>
               <a:t>Second level</a:t>
             </a:r>
+            <a:endParaRPr lang="en-US" smtClean="0"/>
           </a:p>
           <a:p>
             <a:pPr lvl="2"/>
@@ -1985,6 +1921,7 @@
               <a:rPr lang="en-US" smtClean="0"/>
               <a:t>Third level</a:t>
             </a:r>
+            <a:endParaRPr lang="en-US" smtClean="0"/>
           </a:p>
           <a:p>
             <a:pPr lvl="3"/>
@@ -1992,6 +1929,7 @@
               <a:rPr lang="en-US" smtClean="0"/>
               <a:t>Fourth level</a:t>
             </a:r>
+            <a:endParaRPr lang="en-US" smtClean="0"/>
           </a:p>
           <a:p>
             <a:pPr lvl="4"/>
@@ -1999,7 +1937,7 @@
               <a:rPr lang="en-US" smtClean="0"/>
               <a:t>Fifth level</a:t>
             </a:r>
-            <a:endParaRPr/>
+            <a:endParaRPr lang="en-US" smtClean="0"/>
           </a:p>
         </p:txBody>
       </p:sp>
@@ -2043,9 +1981,8 @@
           <a:p>
             <a:fld id="{3E0FA9E5-6744-4841-888F-9E7CC0C2B7EC}" type="datetimeFigureOut">
               <a:rPr lang="en-US"/>
-              <a:t>6/11/2018</a:t>
             </a:fld>
-            <a:endParaRPr/>
+            <a:endParaRPr lang="en-US"/>
           </a:p>
         </p:txBody>
       </p:sp>
@@ -2066,29 +2003,23 @@
           <a:p>
             <a:fld id="{AAEAE4A8-A6E5-453E-B946-FB774B73F48C}" type="slidenum">
               <a:rPr/>
-              <a:t>‹#›</a:t>
             </a:fld>
             <a:endParaRPr/>
           </a:p>
         </p:txBody>
       </p:sp>
     </p:spTree>
-    <p:extLst>
-      <p:ext uri="{BB962C8B-B14F-4D97-AF65-F5344CB8AC3E}">
-        <p14:creationId xmlns:p14="http://schemas.microsoft.com/office/powerpoint/2010/main" val="3413709490"/>
-      </p:ext>
-    </p:extLst>
   </p:cSld>
   <p:clrMapOvr>
     <a:masterClrMapping/>
   </p:clrMapOvr>
-  <mc:AlternateContent xmlns:mc="http://schemas.openxmlformats.org/markup-compatibility/2006" xmlns:p14="http://schemas.microsoft.com/office/powerpoint/2010/main">
-    <mc:Choice Requires="p14">
+  <mc:AlternateContent xmlns:mc="http://schemas.openxmlformats.org/markup-compatibility/2006">
+    <mc:Choice xmlns:p14="http://schemas.microsoft.com/office/powerpoint/2010/main" Requires="p14">
       <p:transition spd="med" p14:dur="700">
         <p:fade/>
       </p:transition>
     </mc:Choice>
-    <mc:Fallback xmlns="">
+    <mc:Fallback>
       <p:transition spd="med">
         <p:fade/>
       </p:transition>
@@ -2137,7 +2068,7 @@
               <a:rPr lang="en-US" smtClean="0"/>
               <a:t>Click to edit Master title style</a:t>
             </a:r>
-            <a:endParaRPr/>
+            <a:endParaRPr lang="en-US" smtClean="0"/>
           </a:p>
         </p:txBody>
       </p:sp>
@@ -2208,6 +2139,7 @@
               <a:rPr lang="en-US" smtClean="0"/>
               <a:t>Edit Master text styles</a:t>
             </a:r>
+            <a:endParaRPr lang="en-US" smtClean="0"/>
           </a:p>
         </p:txBody>
       </p:sp>
@@ -2266,6 +2198,7 @@
               <a:rPr lang="en-US" smtClean="0"/>
               <a:t>Edit Master text styles</a:t>
             </a:r>
+            <a:endParaRPr lang="en-US" smtClean="0"/>
           </a:p>
           <a:p>
             <a:pPr lvl="1"/>
@@ -2273,6 +2206,7 @@
               <a:rPr lang="en-US" smtClean="0"/>
               <a:t>Second level</a:t>
             </a:r>
+            <a:endParaRPr lang="en-US" smtClean="0"/>
           </a:p>
           <a:p>
             <a:pPr lvl="2"/>
@@ -2280,6 +2214,7 @@
               <a:rPr lang="en-US" smtClean="0"/>
               <a:t>Third level</a:t>
             </a:r>
+            <a:endParaRPr lang="en-US" smtClean="0"/>
           </a:p>
           <a:p>
             <a:pPr lvl="3"/>
@@ -2287,6 +2222,7 @@
               <a:rPr lang="en-US" smtClean="0"/>
               <a:t>Fourth level</a:t>
             </a:r>
+            <a:endParaRPr lang="en-US" smtClean="0"/>
           </a:p>
           <a:p>
             <a:pPr lvl="4"/>
@@ -2294,7 +2230,7 @@
               <a:rPr lang="en-US" smtClean="0"/>
               <a:t>Fifth level</a:t>
             </a:r>
-            <a:endParaRPr/>
+            <a:endParaRPr lang="en-US" smtClean="0"/>
           </a:p>
         </p:txBody>
       </p:sp>
@@ -2365,6 +2301,7 @@
               <a:rPr lang="en-US" smtClean="0"/>
               <a:t>Edit Master text styles</a:t>
             </a:r>
+            <a:endParaRPr lang="en-US" smtClean="0"/>
           </a:p>
         </p:txBody>
       </p:sp>
@@ -2423,6 +2360,7 @@
               <a:rPr lang="en-US" smtClean="0"/>
               <a:t>Edit Master text styles</a:t>
             </a:r>
+            <a:endParaRPr lang="en-US" smtClean="0"/>
           </a:p>
           <a:p>
             <a:pPr lvl="1"/>
@@ -2430,6 +2368,7 @@
               <a:rPr lang="en-US" smtClean="0"/>
               <a:t>Second level</a:t>
             </a:r>
+            <a:endParaRPr lang="en-US" smtClean="0"/>
           </a:p>
           <a:p>
             <a:pPr lvl="2"/>
@@ -2437,6 +2376,7 @@
               <a:rPr lang="en-US" smtClean="0"/>
               <a:t>Third level</a:t>
             </a:r>
+            <a:endParaRPr lang="en-US" smtClean="0"/>
           </a:p>
           <a:p>
             <a:pPr lvl="3"/>
@@ -2444,6 +2384,7 @@
               <a:rPr lang="en-US" smtClean="0"/>
               <a:t>Fourth level</a:t>
             </a:r>
+            <a:endParaRPr lang="en-US" smtClean="0"/>
           </a:p>
           <a:p>
             <a:pPr lvl="4"/>
@@ -2451,7 +2392,7 @@
               <a:rPr lang="en-US" smtClean="0"/>
               <a:t>Fifth level</a:t>
             </a:r>
-            <a:endParaRPr/>
+            <a:endParaRPr lang="en-US" smtClean="0"/>
           </a:p>
         </p:txBody>
       </p:sp>
@@ -2495,9 +2436,8 @@
           <a:p>
             <a:fld id="{3E0FA9E5-6744-4841-888F-9E7CC0C2B7EC}" type="datetimeFigureOut">
               <a:rPr lang="en-US"/>
-              <a:t>6/11/2018</a:t>
             </a:fld>
-            <a:endParaRPr/>
+            <a:endParaRPr lang="en-US"/>
           </a:p>
         </p:txBody>
       </p:sp>
@@ -2518,29 +2458,23 @@
           <a:p>
             <a:fld id="{AAEAE4A8-A6E5-453E-B946-FB774B73F48C}" type="slidenum">
               <a:rPr/>
-              <a:t>‹#›</a:t>
             </a:fld>
             <a:endParaRPr/>
           </a:p>
         </p:txBody>
       </p:sp>
     </p:spTree>
-    <p:extLst>
-      <p:ext uri="{BB962C8B-B14F-4D97-AF65-F5344CB8AC3E}">
-        <p14:creationId xmlns:p14="http://schemas.microsoft.com/office/powerpoint/2010/main" val="2000784780"/>
-      </p:ext>
-    </p:extLst>
   </p:cSld>
   <p:clrMapOvr>
     <a:masterClrMapping/>
   </p:clrMapOvr>
-  <mc:AlternateContent xmlns:mc="http://schemas.openxmlformats.org/markup-compatibility/2006" xmlns:p14="http://schemas.microsoft.com/office/powerpoint/2010/main">
-    <mc:Choice Requires="p14">
+  <mc:AlternateContent xmlns:mc="http://schemas.openxmlformats.org/markup-compatibility/2006">
+    <mc:Choice xmlns:p14="http://schemas.microsoft.com/office/powerpoint/2010/main" Requires="p14">
       <p:transition spd="med" p14:dur="700">
         <p:fade/>
       </p:transition>
     </mc:Choice>
-    <mc:Fallback xmlns="">
+    <mc:Fallback>
       <p:transition spd="med">
         <p:fade/>
       </p:transition>
@@ -2585,7 +2519,7 @@
               <a:rPr lang="en-US" smtClean="0"/>
               <a:t>Click to edit Master title style</a:t>
             </a:r>
-            <a:endParaRPr/>
+            <a:endParaRPr lang="en-US" smtClean="0"/>
           </a:p>
         </p:txBody>
       </p:sp>
@@ -2629,9 +2563,8 @@
           <a:p>
             <a:fld id="{3E0FA9E5-6744-4841-888F-9E7CC0C2B7EC}" type="datetimeFigureOut">
               <a:rPr lang="en-US"/>
-              <a:t>6/11/2018</a:t>
             </a:fld>
-            <a:endParaRPr/>
+            <a:endParaRPr lang="en-US"/>
           </a:p>
         </p:txBody>
       </p:sp>
@@ -2652,29 +2585,23 @@
           <a:p>
             <a:fld id="{AAEAE4A8-A6E5-453E-B946-FB774B73F48C}" type="slidenum">
               <a:rPr/>
-              <a:t>‹#›</a:t>
             </a:fld>
             <a:endParaRPr/>
           </a:p>
         </p:txBody>
       </p:sp>
     </p:spTree>
-    <p:extLst>
-      <p:ext uri="{BB962C8B-B14F-4D97-AF65-F5344CB8AC3E}">
-        <p14:creationId xmlns:p14="http://schemas.microsoft.com/office/powerpoint/2010/main" val="907158604"/>
-      </p:ext>
-    </p:extLst>
   </p:cSld>
   <p:clrMapOvr>
     <a:masterClrMapping/>
   </p:clrMapOvr>
-  <mc:AlternateContent xmlns:mc="http://schemas.openxmlformats.org/markup-compatibility/2006" xmlns:p14="http://schemas.microsoft.com/office/powerpoint/2010/main">
-    <mc:Choice Requires="p14">
+  <mc:AlternateContent xmlns:mc="http://schemas.openxmlformats.org/markup-compatibility/2006">
+    <mc:Choice xmlns:p14="http://schemas.microsoft.com/office/powerpoint/2010/main" Requires="p14">
       <p:transition spd="med" p14:dur="700">
         <p:fade/>
       </p:transition>
     </mc:Choice>
-    <mc:Fallback xmlns="">
+    <mc:Fallback>
       <p:transition spd="med">
         <p:fade/>
       </p:transition>
@@ -2754,9 +2681,8 @@
           <a:p>
             <a:fld id="{3E0FA9E5-6744-4841-888F-9E7CC0C2B7EC}" type="datetimeFigureOut">
               <a:rPr lang="en-US"/>
-              <a:t>6/11/2018</a:t>
             </a:fld>
-            <a:endParaRPr/>
+            <a:endParaRPr lang="en-US"/>
           </a:p>
         </p:txBody>
       </p:sp>
@@ -2777,29 +2703,23 @@
           <a:p>
             <a:fld id="{AAEAE4A8-A6E5-453E-B946-FB774B73F48C}" type="slidenum">
               <a:rPr/>
-              <a:t>‹#›</a:t>
             </a:fld>
             <a:endParaRPr/>
           </a:p>
         </p:txBody>
       </p:sp>
     </p:spTree>
-    <p:extLst>
-      <p:ext uri="{BB962C8B-B14F-4D97-AF65-F5344CB8AC3E}">
-        <p14:creationId xmlns:p14="http://schemas.microsoft.com/office/powerpoint/2010/main" val="2441531599"/>
-      </p:ext>
-    </p:extLst>
   </p:cSld>
   <p:clrMapOvr>
     <a:masterClrMapping/>
   </p:clrMapOvr>
-  <mc:AlternateContent xmlns:mc="http://schemas.openxmlformats.org/markup-compatibility/2006" xmlns:p14="http://schemas.microsoft.com/office/powerpoint/2010/main">
-    <mc:Choice Requires="p14">
+  <mc:AlternateContent xmlns:mc="http://schemas.openxmlformats.org/markup-compatibility/2006">
+    <mc:Choice xmlns:p14="http://schemas.microsoft.com/office/powerpoint/2010/main" Requires="p14">
       <p:transition spd="med" p14:dur="700">
         <p:fade/>
       </p:transition>
     </mc:Choice>
-    <mc:Fallback xmlns="">
+    <mc:Fallback>
       <p:transition spd="med">
         <p:fade/>
       </p:transition>
@@ -2869,7 +2789,7 @@
               <a:rPr lang="en-US" smtClean="0"/>
               <a:t>Click to edit Master title style</a:t>
             </a:r>
-            <a:endParaRPr/>
+            <a:endParaRPr lang="en-US" smtClean="0"/>
           </a:p>
         </p:txBody>
       </p:sp>
@@ -2928,6 +2848,7 @@
               <a:rPr lang="en-US" smtClean="0"/>
               <a:t>Edit Master text styles</a:t>
             </a:r>
+            <a:endParaRPr lang="en-US" smtClean="0"/>
           </a:p>
           <a:p>
             <a:pPr lvl="1"/>
@@ -2935,6 +2856,7 @@
               <a:rPr lang="en-US" smtClean="0"/>
               <a:t>Second level</a:t>
             </a:r>
+            <a:endParaRPr lang="en-US" smtClean="0"/>
           </a:p>
           <a:p>
             <a:pPr lvl="2"/>
@@ -2942,6 +2864,7 @@
               <a:rPr lang="en-US" smtClean="0"/>
               <a:t>Third level</a:t>
             </a:r>
+            <a:endParaRPr lang="en-US" smtClean="0"/>
           </a:p>
           <a:p>
             <a:pPr lvl="3"/>
@@ -2949,6 +2872,7 @@
               <a:rPr lang="en-US" smtClean="0"/>
               <a:t>Fourth level</a:t>
             </a:r>
+            <a:endParaRPr lang="en-US" smtClean="0"/>
           </a:p>
           <a:p>
             <a:pPr lvl="4"/>
@@ -2956,7 +2880,7 @@
               <a:rPr lang="en-US" smtClean="0"/>
               <a:t>Fifth level</a:t>
             </a:r>
-            <a:endParaRPr/>
+            <a:endParaRPr lang="en-US" smtClean="0"/>
           </a:p>
         </p:txBody>
       </p:sp>
@@ -3037,6 +2961,7 @@
               <a:rPr lang="en-US" smtClean="0"/>
               <a:t>Edit Master text styles</a:t>
             </a:r>
+            <a:endParaRPr lang="en-US" smtClean="0"/>
           </a:p>
         </p:txBody>
       </p:sp>
@@ -3080,9 +3005,8 @@
           <a:p>
             <a:fld id="{3E0FA9E5-6744-4841-888F-9E7CC0C2B7EC}" type="datetimeFigureOut">
               <a:rPr lang="en-US"/>
-              <a:t>6/11/2018</a:t>
             </a:fld>
-            <a:endParaRPr/>
+            <a:endParaRPr lang="en-US"/>
           </a:p>
         </p:txBody>
       </p:sp>
@@ -3103,29 +3027,23 @@
           <a:p>
             <a:fld id="{AAEAE4A8-A6E5-453E-B946-FB774B73F48C}" type="slidenum">
               <a:rPr/>
-              <a:t>‹#›</a:t>
             </a:fld>
             <a:endParaRPr/>
           </a:p>
         </p:txBody>
       </p:sp>
     </p:spTree>
-    <p:extLst>
-      <p:ext uri="{BB962C8B-B14F-4D97-AF65-F5344CB8AC3E}">
-        <p14:creationId xmlns:p14="http://schemas.microsoft.com/office/powerpoint/2010/main" val="2101711100"/>
-      </p:ext>
-    </p:extLst>
   </p:cSld>
   <p:clrMapOvr>
     <a:masterClrMapping/>
   </p:clrMapOvr>
-  <mc:AlternateContent xmlns:mc="http://schemas.openxmlformats.org/markup-compatibility/2006" xmlns:p14="http://schemas.microsoft.com/office/powerpoint/2010/main">
-    <mc:Choice Requires="p14">
+  <mc:AlternateContent xmlns:mc="http://schemas.openxmlformats.org/markup-compatibility/2006">
+    <mc:Choice xmlns:p14="http://schemas.microsoft.com/office/powerpoint/2010/main" Requires="p14">
       <p:transition spd="med" p14:dur="700">
         <p:fade/>
       </p:transition>
     </mc:Choice>
-    <mc:Fallback xmlns="">
+    <mc:Fallback>
       <p:transition spd="med">
         <p:fade/>
       </p:transition>
@@ -3195,7 +3113,7 @@
               <a:rPr lang="en-US" smtClean="0"/>
               <a:t>Click to edit Master title style</a:t>
             </a:r>
-            <a:endParaRPr/>
+            <a:endParaRPr lang="en-US" smtClean="0"/>
           </a:p>
         </p:txBody>
       </p:sp>
@@ -3271,7 +3189,7 @@
               <a:rPr lang="en-US" smtClean="0"/>
               <a:t>Click icon to add picture</a:t>
             </a:r>
-            <a:endParaRPr/>
+            <a:endParaRPr lang="en-US" smtClean="0"/>
           </a:p>
         </p:txBody>
       </p:sp>
@@ -3345,26 +3263,22 @@
               <a:rPr lang="en-US" smtClean="0"/>
               <a:t>Edit Master text styles</a:t>
             </a:r>
+            <a:endParaRPr lang="en-US" smtClean="0"/>
           </a:p>
         </p:txBody>
       </p:sp>
     </p:spTree>
-    <p:extLst>
-      <p:ext uri="{BB962C8B-B14F-4D97-AF65-F5344CB8AC3E}">
-        <p14:creationId xmlns:p14="http://schemas.microsoft.com/office/powerpoint/2010/main" val="1419608276"/>
-      </p:ext>
-    </p:extLst>
   </p:cSld>
   <p:clrMapOvr>
     <a:masterClrMapping/>
   </p:clrMapOvr>
-  <mc:AlternateContent xmlns:mc="http://schemas.openxmlformats.org/markup-compatibility/2006" xmlns:p14="http://schemas.microsoft.com/office/powerpoint/2010/main">
-    <mc:Choice Requires="p14">
+  <mc:AlternateContent xmlns:mc="http://schemas.openxmlformats.org/markup-compatibility/2006">
+    <mc:Choice xmlns:p14="http://schemas.microsoft.com/office/powerpoint/2010/main" Requires="p14">
       <p:transition spd="med" p14:dur="700">
         <p:fade/>
       </p:transition>
     </mc:Choice>
-    <mc:Fallback xmlns="">
+    <mc:Fallback>
       <p:transition spd="med">
         <p:fade/>
       </p:transition>
@@ -3379,7 +3293,7 @@
     <p:bg>
       <p:bgPr>
         <a:blipFill dpi="0" rotWithShape="1">
-          <a:blip r:embed="rId13">
+          <a:blip r:embed="rId12">
             <a:lum/>
           </a:blip>
           <a:srcRect/>
@@ -3433,7 +3347,7 @@
               <a:rPr lang="en-US" smtClean="0"/>
               <a:t>Click to edit Master title style</a:t>
             </a:r>
-            <a:endParaRPr/>
+            <a:endParaRPr lang="en-US" smtClean="0"/>
           </a:p>
         </p:txBody>
       </p:sp>
@@ -3467,6 +3381,7 @@
               <a:rPr lang="en-US" smtClean="0"/>
               <a:t>Edit Master text styles</a:t>
             </a:r>
+            <a:endParaRPr lang="en-US" smtClean="0"/>
           </a:p>
           <a:p>
             <a:pPr lvl="1"/>
@@ -3474,6 +3389,7 @@
               <a:rPr lang="en-US" smtClean="0"/>
               <a:t>Second level</a:t>
             </a:r>
+            <a:endParaRPr lang="en-US" smtClean="0"/>
           </a:p>
           <a:p>
             <a:pPr lvl="2"/>
@@ -3481,6 +3397,7 @@
               <a:rPr lang="en-US" smtClean="0"/>
               <a:t>Third level</a:t>
             </a:r>
+            <a:endParaRPr lang="en-US" smtClean="0"/>
           </a:p>
           <a:p>
             <a:pPr lvl="3"/>
@@ -3488,6 +3405,7 @@
               <a:rPr lang="en-US" smtClean="0"/>
               <a:t>Fourth level</a:t>
             </a:r>
+            <a:endParaRPr lang="en-US" smtClean="0"/>
           </a:p>
           <a:p>
             <a:pPr lvl="4"/>
@@ -3537,6 +3455,7 @@
               <a:rPr lang="en-US" dirty="0"/>
               <a:t>Add a footer</a:t>
             </a:r>
+            <a:endParaRPr lang="en-US" dirty="0"/>
           </a:p>
         </p:txBody>
       </p:sp>
@@ -3576,8 +3495,6 @@
           <a:p>
             <a:fld id="{3E0FA9E5-6744-4841-888F-9E7CC0C2B7EC}" type="datetimeFigureOut">
               <a:rPr lang="en-US" smtClean="0"/>
-              <a:pPr/>
-              <a:t>6/11/2018</a:t>
             </a:fld>
             <a:endParaRPr lang="en-US" dirty="0"/>
           </a:p>
@@ -3619,19 +3536,12 @@
           <a:p>
             <a:fld id="{AAEAE4A8-A6E5-453E-B946-FB774B73F48C}" type="slidenum">
               <a:rPr lang="en-US" smtClean="0"/>
-              <a:pPr/>
-              <a:t>‹#›</a:t>
             </a:fld>
             <a:endParaRPr lang="en-US" dirty="0"/>
           </a:p>
         </p:txBody>
       </p:sp>
     </p:spTree>
-    <p:extLst>
-      <p:ext uri="{BB962C8B-B14F-4D97-AF65-F5344CB8AC3E}">
-        <p14:creationId xmlns:p14="http://schemas.microsoft.com/office/powerpoint/2010/main" val="1597054149"/>
-      </p:ext>
-    </p:extLst>
   </p:cSld>
   <p:clrMap bg1="lt1" tx1="dk1" bg2="lt2" tx2="dk2" accent1="accent1" accent2="accent2" accent3="accent3" accent4="accent4" accent5="accent5" accent6="accent6" hlink="hlink" folHlink="folHlink"/>
   <p:sldLayoutIdLst>
@@ -3647,13 +3557,13 @@
     <p:sldLayoutId id="2147483658" r:id="rId10"/>
     <p:sldLayoutId id="2147483659" r:id="rId11"/>
   </p:sldLayoutIdLst>
-  <mc:AlternateContent xmlns:mc="http://schemas.openxmlformats.org/markup-compatibility/2006" xmlns:p14="http://schemas.microsoft.com/office/powerpoint/2010/main">
-    <mc:Choice Requires="p14">
+  <mc:AlternateContent xmlns:mc="http://schemas.openxmlformats.org/markup-compatibility/2006">
+    <mc:Choice xmlns:p14="http://schemas.microsoft.com/office/powerpoint/2010/main" Requires="p14">
       <p:transition spd="med" p14:dur="700">
         <p:fade/>
       </p:transition>
     </mc:Choice>
-    <mc:Fallback xmlns="">
+    <mc:Fallback>
       <p:transition spd="med">
         <p:fade/>
       </p:transition>
@@ -3696,7 +3606,7 @@
           </a:schemeClr>
         </a:buClr>
         <a:buSzPct val="80000"/>
-        <a:buFont typeface="Arial" pitchFamily="34" charset="0"/>
+        <a:buFont typeface="Arial" panose="020B0604020202020204" pitchFamily="34" charset="0"/>
         <a:buChar char="•"/>
         <a:defRPr sz="2000" kern="1200">
           <a:solidFill>
@@ -3724,7 +3634,7 @@
           </a:schemeClr>
         </a:buClr>
         <a:buSzPct val="80000"/>
-        <a:buFont typeface="Arial" pitchFamily="34" charset="0"/>
+        <a:buFont typeface="Arial" panose="020B0604020202020204" pitchFamily="34" charset="0"/>
         <a:buChar char="•"/>
         <a:defRPr sz="1800" kern="1200">
           <a:solidFill>
@@ -3752,7 +3662,7 @@
           </a:schemeClr>
         </a:buClr>
         <a:buSzPct val="80000"/>
-        <a:buFont typeface="Arial" pitchFamily="34" charset="0"/>
+        <a:buFont typeface="Arial" panose="020B0604020202020204" pitchFamily="34" charset="0"/>
         <a:buChar char="•"/>
         <a:defRPr sz="1600" kern="1200">
           <a:solidFill>
@@ -3780,7 +3690,7 @@
           </a:schemeClr>
         </a:buClr>
         <a:buSzPct val="80000"/>
-        <a:buFont typeface="Arial" pitchFamily="34" charset="0"/>
+        <a:buFont typeface="Arial" panose="020B0604020202020204" pitchFamily="34" charset="0"/>
         <a:buChar char="•"/>
         <a:defRPr sz="1400" kern="1200">
           <a:solidFill>
@@ -3808,7 +3718,7 @@
           </a:schemeClr>
         </a:buClr>
         <a:buSzPct val="80000"/>
-        <a:buFont typeface="Arial" pitchFamily="34" charset="0"/>
+        <a:buFont typeface="Arial" panose="020B0604020202020204" pitchFamily="34" charset="0"/>
         <a:buChar char="•"/>
         <a:defRPr sz="1400" kern="1200">
           <a:solidFill>
@@ -3827,7 +3737,7 @@
           <a:spcPts val="600"/>
         </a:spcBef>
         <a:buSzPct val="80000"/>
-        <a:buFont typeface="Arial" pitchFamily="34" charset="0"/>
+        <a:buFont typeface="Arial" panose="020B0604020202020204" pitchFamily="34" charset="0"/>
         <a:buChar char="•"/>
         <a:defRPr sz="1400" kern="1200">
           <a:solidFill>
@@ -3846,7 +3756,7 @@
           <a:spcPts val="600"/>
         </a:spcBef>
         <a:buSzPct val="80000"/>
-        <a:buFont typeface="Arial" pitchFamily="34" charset="0"/>
+        <a:buFont typeface="Arial" panose="020B0604020202020204" pitchFamily="34" charset="0"/>
         <a:buChar char="•"/>
         <a:defRPr sz="1400" kern="1200">
           <a:solidFill>
@@ -3865,7 +3775,7 @@
           <a:spcPts val="600"/>
         </a:spcBef>
         <a:buSzPct val="80000"/>
-        <a:buFont typeface="Arial" pitchFamily="34" charset="0"/>
+        <a:buFont typeface="Arial" panose="020B0604020202020204" pitchFamily="34" charset="0"/>
         <a:buChar char="•"/>
         <a:defRPr sz="1400" kern="1200">
           <a:solidFill>
@@ -3884,7 +3794,7 @@
           <a:spcPts val="600"/>
         </a:spcBef>
         <a:buSzPct val="80000"/>
-        <a:buFont typeface="Arial" pitchFamily="34" charset="0"/>
+        <a:buFont typeface="Arial" panose="020B0604020202020204" pitchFamily="34" charset="0"/>
         <a:buChar char="•"/>
         <a:defRPr sz="1400" kern="1200">
           <a:solidFill>
@@ -3995,22 +3905,6 @@
       </a:lvl9pPr>
     </p:otherStyle>
   </p:txStyles>
-  <p:extLst mod="1">
-    <p:ext uri="{27BBF7A9-308A-43DC-89C8-2F10F3537804}">
-      <p15:sldGuideLst xmlns:p15="http://schemas.microsoft.com/office/powerpoint/2012/main">
-        <p15:guide id="1" pos="3839" userDrawn="1">
-          <p15:clr>
-            <a:srgbClr val="F26B43"/>
-          </p15:clr>
-        </p15:guide>
-        <p15:guide id="2" orient="horz" pos="2160" userDrawn="1">
-          <p15:clr>
-            <a:srgbClr val="F26B43"/>
-          </p15:clr>
-        </p15:guide>
-      </p15:sldGuideLst>
-    </p:ext>
-  </p:extLst>
 </p:sldMaster>
 </file>
 
@@ -4054,10 +3948,6 @@
           <a:lstStyle/>
           <a:p>
             <a:pPr algn="ctr"/>
-            <a:r>
-              <a:rPr lang="en-US" dirty="0" smtClean="0"/>
-              <a:t/>
-            </a:r>
             <a:br>
               <a:rPr lang="en-US" dirty="0" smtClean="0"/>
             </a:br>
@@ -4082,13 +3972,7 @@
           <p:cNvGraphicFramePr>
             <a:graphicFrameLocks noGrp="1"/>
           </p:cNvGraphicFramePr>
-          <p:nvPr>
-            <p:extLst>
-              <p:ext uri="{D42A27DB-BD31-4B8C-83A1-F6EECF244321}">
-                <p14:modId xmlns:p14="http://schemas.microsoft.com/office/powerpoint/2010/main" val="2994572409"/>
-              </p:ext>
-            </p:extLst>
-          </p:nvPr>
+          <p:nvPr/>
         </p:nvGraphicFramePr>
         <p:xfrm>
           <a:off x="621462" y="2708920"/>
@@ -4101,20 +3985,8 @@
                 <a:tableStyleId>{2D5ABB26-0587-4C30-8999-92F81FD0307C}</a:tableStyleId>
               </a:tblPr>
               <a:tblGrid>
-                <a:gridCol w="4062942">
-                  <a:extLst>
-                    <a:ext uri="{9D8B030D-6E8A-4147-A177-3AD203B41FA5}">
-                      <a16:colId xmlns:a16="http://schemas.microsoft.com/office/drawing/2014/main" val="322386815"/>
-                    </a:ext>
-                  </a:extLst>
-                </a:gridCol>
-                <a:gridCol w="4062942">
-                  <a:extLst>
-                    <a:ext uri="{9D8B030D-6E8A-4147-A177-3AD203B41FA5}">
-                      <a16:colId xmlns:a16="http://schemas.microsoft.com/office/drawing/2014/main" val="1415003748"/>
-                    </a:ext>
-                  </a:extLst>
-                </a:gridCol>
+                <a:gridCol w="4062942"/>
+                <a:gridCol w="4062942"/>
               </a:tblGrid>
               <a:tr h="370840">
                 <a:tc gridSpan="2">
@@ -4133,20 +4005,8 @@
                   <a:tcPr/>
                 </a:tc>
                 <a:tc hMerge="1">
-                  <a:txBody>
-                    <a:bodyPr/>
-                    <a:lstStyle/>
-                    <a:p>
-                      <a:endParaRPr lang="en-IE" dirty="0"/>
-                    </a:p>
-                  </a:txBody>
                   <a:tcPr/>
                 </a:tc>
-                <a:extLst>
-                  <a:ext uri="{0D108BD9-81ED-4DB2-BD59-A6C34878D82A}">
-                    <a16:rowId xmlns:a16="http://schemas.microsoft.com/office/drawing/2014/main" val="2555269330"/>
-                  </a:ext>
-                </a:extLst>
               </a:tr>
               <a:tr h="370840">
                 <a:tc>
@@ -4195,7 +4055,6 @@
                         <a:buSzTx/>
                         <a:buFontTx/>
                         <a:buNone/>
-                        <a:tabLst/>
                         <a:defRPr/>
                       </a:pPr>
                       <a:r>
@@ -4206,15 +4065,15 @@
                         </a:rPr>
                         <a:t>15016005</a:t>
                       </a:r>
+                      <a:endParaRPr lang="en-IE" sz="2800" dirty="0" smtClean="0">
+                        <a:latin typeface="Cambria" panose="02040503050406030204" pitchFamily="18" charset="0"/>
+                        <a:ea typeface="MS Mincho"/>
+                        <a:cs typeface="Times New Roman" panose="02020603050405020304" pitchFamily="18" charset="0"/>
+                      </a:endParaRPr>
                     </a:p>
                   </a:txBody>
                   <a:tcPr/>
                 </a:tc>
-                <a:extLst>
-                  <a:ext uri="{0D108BD9-81ED-4DB2-BD59-A6C34878D82A}">
-                    <a16:rowId xmlns:a16="http://schemas.microsoft.com/office/drawing/2014/main" val="511629130"/>
-                  </a:ext>
-                </a:extLst>
               </a:tr>
               <a:tr h="370840">
                 <a:tc>
@@ -4263,7 +4122,6 @@
                         <a:buSzTx/>
                         <a:buFontTx/>
                         <a:buNone/>
-                        <a:tabLst/>
                         <a:defRPr/>
                       </a:pPr>
                       <a:r>
@@ -4274,15 +4132,15 @@
                         </a:rPr>
                         <a:t>15007669</a:t>
                       </a:r>
+                      <a:endParaRPr lang="en-IE" sz="2800" dirty="0" smtClean="0">
+                        <a:latin typeface="Cambria" panose="02040503050406030204" pitchFamily="18" charset="0"/>
+                        <a:ea typeface="MS Mincho"/>
+                        <a:cs typeface="Times New Roman" panose="02020603050405020304" pitchFamily="18" charset="0"/>
+                      </a:endParaRPr>
                     </a:p>
                   </a:txBody>
                   <a:tcPr/>
                 </a:tc>
-                <a:extLst>
-                  <a:ext uri="{0D108BD9-81ED-4DB2-BD59-A6C34878D82A}">
-                    <a16:rowId xmlns:a16="http://schemas.microsoft.com/office/drawing/2014/main" val="1987141248"/>
-                  </a:ext>
-                </a:extLst>
               </a:tr>
               <a:tr h="370840">
                 <a:tc>
@@ -4323,7 +4181,6 @@
                         <a:buSzTx/>
                         <a:buFontTx/>
                         <a:buNone/>
-                        <a:tabLst/>
                         <a:defRPr/>
                       </a:pPr>
                       <a:r>
@@ -4334,15 +4191,15 @@
                         </a:rPr>
                         <a:t>15015556</a:t>
                       </a:r>
+                      <a:endParaRPr lang="en-IE" sz="2800" dirty="0" smtClean="0">
+                        <a:latin typeface="Cambria" panose="02040503050406030204" pitchFamily="18" charset="0"/>
+                        <a:ea typeface="MS Mincho"/>
+                        <a:cs typeface="Times New Roman" panose="02020603050405020304" pitchFamily="18" charset="0"/>
+                      </a:endParaRPr>
                     </a:p>
                   </a:txBody>
                   <a:tcPr/>
                 </a:tc>
-                <a:extLst>
-                  <a:ext uri="{0D108BD9-81ED-4DB2-BD59-A6C34878D82A}">
-                    <a16:rowId xmlns:a16="http://schemas.microsoft.com/office/drawing/2014/main" val="3558583"/>
-                  </a:ext>
-                </a:extLst>
               </a:tr>
               <a:tr h="370840">
                 <a:tc>
@@ -4399,7 +4256,6 @@
                         <a:buSzTx/>
                         <a:buFontTx/>
                         <a:buNone/>
-                        <a:tabLst/>
                         <a:defRPr/>
                       </a:pPr>
                       <a:r>
@@ -4410,6 +4266,11 @@
                         </a:rPr>
                         <a:t>01318877</a:t>
                       </a:r>
+                      <a:endParaRPr lang="en-IE" sz="2800" dirty="0" smtClean="0">
+                        <a:latin typeface="Cambria" panose="02040503050406030204" pitchFamily="18" charset="0"/>
+                        <a:ea typeface="MS Mincho"/>
+                        <a:cs typeface="Times New Roman" panose="02020603050405020304" pitchFamily="18" charset="0"/>
+                      </a:endParaRPr>
                     </a:p>
                     <a:p>
                       <a:pPr marL="0" marR="0" lvl="0" indent="0" algn="l" defTabSz="914400" rtl="0" eaLnBrk="1" fontAlgn="auto" latinLnBrk="0" hangingPunct="1">
@@ -4426,7 +4287,6 @@
                         <a:buSzTx/>
                         <a:buFontTx/>
                         <a:buNone/>
-                        <a:tabLst/>
                         <a:defRPr/>
                       </a:pPr>
                       <a:endParaRPr lang="en-IE" sz="2800" dirty="0" smtClean="0">
@@ -4438,11 +4298,6 @@
                   </a:txBody>
                   <a:tcPr/>
                 </a:tc>
-                <a:extLst>
-                  <a:ext uri="{0D108BD9-81ED-4DB2-BD59-A6C34878D82A}">
-                    <a16:rowId xmlns:a16="http://schemas.microsoft.com/office/drawing/2014/main" val="4068036536"/>
-                  </a:ext>
-                </a:extLst>
               </a:tr>
               <a:tr h="370840">
                 <a:tc>
@@ -4483,7 +4338,6 @@
                         <a:buSzTx/>
                         <a:buFontTx/>
                         <a:buNone/>
-                        <a:tabLst/>
                         <a:defRPr/>
                       </a:pPr>
                       <a:r>
@@ -4494,15 +4348,15 @@
                         </a:rPr>
                         <a:t>June 2018</a:t>
                       </a:r>
+                      <a:endParaRPr lang="en-IE" sz="1600" dirty="0" smtClean="0">
+                        <a:latin typeface="Cambria" panose="02040503050406030204" pitchFamily="18" charset="0"/>
+                        <a:ea typeface="MS Mincho"/>
+                        <a:cs typeface="Times New Roman" panose="02020603050405020304" pitchFamily="18" charset="0"/>
+                      </a:endParaRPr>
                     </a:p>
                   </a:txBody>
                   <a:tcPr/>
                 </a:tc>
-                <a:extLst>
-                  <a:ext uri="{0D108BD9-81ED-4DB2-BD59-A6C34878D82A}">
-                    <a16:rowId xmlns:a16="http://schemas.microsoft.com/office/drawing/2014/main" val="1948932950"/>
-                  </a:ext>
-                </a:extLst>
               </a:tr>
               <a:tr h="370840">
                 <a:tc gridSpan="2">
@@ -4516,20 +4370,8 @@
                   <a:tcPr/>
                 </a:tc>
                 <a:tc hMerge="1">
-                  <a:txBody>
-                    <a:bodyPr/>
-                    <a:lstStyle/>
-                    <a:p>
-                      <a:endParaRPr lang="en-IE"/>
-                    </a:p>
-                  </a:txBody>
                   <a:tcPr/>
                 </a:tc>
-                <a:extLst>
-                  <a:ext uri="{0D108BD9-81ED-4DB2-BD59-A6C34878D82A}">
-                    <a16:rowId xmlns:a16="http://schemas.microsoft.com/office/drawing/2014/main" val="4132595855"/>
-                  </a:ext>
-                </a:extLst>
               </a:tr>
             </a:tbl>
           </a:graphicData>
@@ -4539,22 +4381,17 @@
     <p:custDataLst>
       <p:tags r:id="rId1"/>
     </p:custDataLst>
-    <p:extLst>
-      <p:ext uri="{BB962C8B-B14F-4D97-AF65-F5344CB8AC3E}">
-        <p14:creationId xmlns:p14="http://schemas.microsoft.com/office/powerpoint/2010/main" val="1493259804"/>
-      </p:ext>
-    </p:extLst>
   </p:cSld>
   <p:clrMapOvr>
     <a:masterClrMapping/>
   </p:clrMapOvr>
-  <mc:AlternateContent xmlns:mc="http://schemas.openxmlformats.org/markup-compatibility/2006" xmlns:p14="http://schemas.microsoft.com/office/powerpoint/2010/main">
-    <mc:Choice Requires="p14">
+  <mc:AlternateContent xmlns:mc="http://schemas.openxmlformats.org/markup-compatibility/2006">
+    <mc:Choice xmlns:p14="http://schemas.microsoft.com/office/powerpoint/2010/main" Requires="p14">
       <p:transition spd="med" p14:dur="700">
         <p:fade/>
       </p:transition>
     </mc:Choice>
-    <mc:Fallback xmlns="">
+    <mc:Fallback>
       <p:transition spd="med">
         <p:fade/>
       </p:transition>
@@ -4613,9 +4450,7 @@
       <p:sp>
         <p:nvSpPr>
           <p:cNvPr id="6" name="Content Placeholder 13"/>
-          <p:cNvSpPr txBox="1">
-            <a:spLocks/>
-          </p:cNvSpPr>
+          <p:cNvSpPr txBox="1"/>
           <p:nvPr/>
         </p:nvSpPr>
         <p:spPr>
@@ -4646,7 +4481,7 @@
                 </a:schemeClr>
               </a:buClr>
               <a:buSzPct val="80000"/>
-              <a:buFont typeface="Arial" pitchFamily="34" charset="0"/>
+              <a:buFont typeface="Arial" panose="020B0604020202020204" pitchFamily="34" charset="0"/>
               <a:buNone/>
               <a:defRPr sz="2400" kern="1200">
                 <a:solidFill>
@@ -4674,7 +4509,7 @@
                 </a:schemeClr>
               </a:buClr>
               <a:buSzPct val="80000"/>
-              <a:buFont typeface="Arial" pitchFamily="34" charset="0"/>
+              <a:buFont typeface="Arial" panose="020B0604020202020204" pitchFamily="34" charset="0"/>
               <a:buNone/>
               <a:defRPr sz="1800" kern="1200">
                 <a:solidFill>
@@ -4701,7 +4536,7 @@
                 </a:schemeClr>
               </a:buClr>
               <a:buSzPct val="80000"/>
-              <a:buFont typeface="Arial" pitchFamily="34" charset="0"/>
+              <a:buFont typeface="Arial" panose="020B0604020202020204" pitchFamily="34" charset="0"/>
               <a:buNone/>
               <a:defRPr sz="1600" kern="1200">
                 <a:solidFill>
@@ -4728,7 +4563,7 @@
                 </a:schemeClr>
               </a:buClr>
               <a:buSzPct val="80000"/>
-              <a:buFont typeface="Arial" pitchFamily="34" charset="0"/>
+              <a:buFont typeface="Arial" panose="020B0604020202020204" pitchFamily="34" charset="0"/>
               <a:buNone/>
               <a:defRPr sz="1400" kern="1200">
                 <a:solidFill>
@@ -4755,7 +4590,7 @@
                 </a:schemeClr>
               </a:buClr>
               <a:buSzPct val="80000"/>
-              <a:buFont typeface="Arial" pitchFamily="34" charset="0"/>
+              <a:buFont typeface="Arial" panose="020B0604020202020204" pitchFamily="34" charset="0"/>
               <a:buNone/>
               <a:defRPr sz="1400" kern="1200">
                 <a:solidFill>
@@ -4773,7 +4608,7 @@
                 <a:spcPts val="600"/>
               </a:spcBef>
               <a:buSzPct val="80000"/>
-              <a:buFont typeface="Arial" pitchFamily="34" charset="0"/>
+              <a:buFont typeface="Arial" panose="020B0604020202020204" pitchFamily="34" charset="0"/>
               <a:buNone/>
               <a:defRPr sz="1400" kern="1200">
                 <a:solidFill>
@@ -4791,7 +4626,7 @@
                 <a:spcPts val="600"/>
               </a:spcBef>
               <a:buSzPct val="80000"/>
-              <a:buFont typeface="Arial" pitchFamily="34" charset="0"/>
+              <a:buFont typeface="Arial" panose="020B0604020202020204" pitchFamily="34" charset="0"/>
               <a:buNone/>
               <a:defRPr sz="1400" kern="1200">
                 <a:solidFill>
@@ -4809,7 +4644,7 @@
                 <a:spcPts val="600"/>
               </a:spcBef>
               <a:buSzPct val="80000"/>
-              <a:buFont typeface="Arial" pitchFamily="34" charset="0"/>
+              <a:buFont typeface="Arial" panose="020B0604020202020204" pitchFamily="34" charset="0"/>
               <a:buNone/>
               <a:defRPr sz="1400" kern="1200">
                 <a:solidFill>
@@ -4827,7 +4662,7 @@
                 <a:spcPts val="600"/>
               </a:spcBef>
               <a:buSzPct val="80000"/>
-              <a:buFont typeface="Arial" pitchFamily="34" charset="0"/>
+              <a:buFont typeface="Arial" panose="020B0604020202020204" pitchFamily="34" charset="0"/>
               <a:buNone/>
               <a:defRPr sz="1400" kern="1200">
                 <a:solidFill>
@@ -4850,6 +4685,7 @@
               <a:rPr lang="en-IE" sz="3600" dirty="0"/>
               <a:t>Project idea</a:t>
             </a:r>
+            <a:endParaRPr lang="en-IE" sz="3600" dirty="0"/>
           </a:p>
           <a:p>
             <a:pPr marL="342900" indent="-342900">
@@ -4875,6 +4711,7 @@
               <a:rPr lang="en-IE" sz="3600" dirty="0"/>
               <a:t>used</a:t>
             </a:r>
+            <a:endParaRPr lang="en-IE" sz="3600" dirty="0"/>
           </a:p>
           <a:p>
             <a:pPr marL="342900" indent="-342900">
@@ -4893,22 +4730,17 @@
     <p:custDataLst>
       <p:tags r:id="rId1"/>
     </p:custDataLst>
-    <p:extLst>
-      <p:ext uri="{BB962C8B-B14F-4D97-AF65-F5344CB8AC3E}">
-        <p14:creationId xmlns:p14="http://schemas.microsoft.com/office/powerpoint/2010/main" val="4131172139"/>
-      </p:ext>
-    </p:extLst>
   </p:cSld>
   <p:clrMapOvr>
     <a:masterClrMapping/>
   </p:clrMapOvr>
-  <mc:AlternateContent xmlns:mc="http://schemas.openxmlformats.org/markup-compatibility/2006" xmlns:p14="http://schemas.microsoft.com/office/powerpoint/2010/main">
-    <mc:Choice Requires="p14">
+  <mc:AlternateContent xmlns:mc="http://schemas.openxmlformats.org/markup-compatibility/2006">
+    <mc:Choice xmlns:p14="http://schemas.microsoft.com/office/powerpoint/2010/main" Requires="p14">
       <p:transition spd="med" p14:dur="700">
         <p:fade/>
       </p:transition>
     </mc:Choice>
-    <mc:Fallback xmlns="">
+    <mc:Fallback>
       <p:transition spd="med">
         <p:fade/>
       </p:transition>
@@ -4937,9 +4769,7 @@
       <p:sp>
         <p:nvSpPr>
           <p:cNvPr id="7" name="Title 1"/>
-          <p:cNvSpPr txBox="1">
-            <a:spLocks/>
-          </p:cNvSpPr>
+          <p:cNvSpPr txBox="1"/>
           <p:nvPr/>
         </p:nvSpPr>
         <p:spPr>
@@ -4989,9 +4819,7 @@
       <p:sp>
         <p:nvSpPr>
           <p:cNvPr id="13" name="Content Placeholder 13"/>
-          <p:cNvSpPr txBox="1">
-            <a:spLocks/>
-          </p:cNvSpPr>
+          <p:cNvSpPr txBox="1"/>
           <p:nvPr/>
         </p:nvSpPr>
         <p:spPr>
@@ -5022,7 +4850,7 @@
                 </a:schemeClr>
               </a:buClr>
               <a:buSzPct val="80000"/>
-              <a:buFont typeface="Arial" pitchFamily="34" charset="0"/>
+              <a:buFont typeface="Arial" panose="020B0604020202020204" pitchFamily="34" charset="0"/>
               <a:buNone/>
               <a:defRPr sz="2400" kern="1200">
                 <a:solidFill>
@@ -5050,7 +4878,7 @@
                 </a:schemeClr>
               </a:buClr>
               <a:buSzPct val="80000"/>
-              <a:buFont typeface="Arial" pitchFamily="34" charset="0"/>
+              <a:buFont typeface="Arial" panose="020B0604020202020204" pitchFamily="34" charset="0"/>
               <a:buNone/>
               <a:defRPr sz="1800" kern="1200">
                 <a:solidFill>
@@ -5077,7 +4905,7 @@
                 </a:schemeClr>
               </a:buClr>
               <a:buSzPct val="80000"/>
-              <a:buFont typeface="Arial" pitchFamily="34" charset="0"/>
+              <a:buFont typeface="Arial" panose="020B0604020202020204" pitchFamily="34" charset="0"/>
               <a:buNone/>
               <a:defRPr sz="1600" kern="1200">
                 <a:solidFill>
@@ -5104,7 +4932,7 @@
                 </a:schemeClr>
               </a:buClr>
               <a:buSzPct val="80000"/>
-              <a:buFont typeface="Arial" pitchFamily="34" charset="0"/>
+              <a:buFont typeface="Arial" panose="020B0604020202020204" pitchFamily="34" charset="0"/>
               <a:buNone/>
               <a:defRPr sz="1400" kern="1200">
                 <a:solidFill>
@@ -5131,7 +4959,7 @@
                 </a:schemeClr>
               </a:buClr>
               <a:buSzPct val="80000"/>
-              <a:buFont typeface="Arial" pitchFamily="34" charset="0"/>
+              <a:buFont typeface="Arial" panose="020B0604020202020204" pitchFamily="34" charset="0"/>
               <a:buNone/>
               <a:defRPr sz="1400" kern="1200">
                 <a:solidFill>
@@ -5149,7 +4977,7 @@
                 <a:spcPts val="600"/>
               </a:spcBef>
               <a:buSzPct val="80000"/>
-              <a:buFont typeface="Arial" pitchFamily="34" charset="0"/>
+              <a:buFont typeface="Arial" panose="020B0604020202020204" pitchFamily="34" charset="0"/>
               <a:buNone/>
               <a:defRPr sz="1400" kern="1200">
                 <a:solidFill>
@@ -5167,7 +4995,7 @@
                 <a:spcPts val="600"/>
               </a:spcBef>
               <a:buSzPct val="80000"/>
-              <a:buFont typeface="Arial" pitchFamily="34" charset="0"/>
+              <a:buFont typeface="Arial" panose="020B0604020202020204" pitchFamily="34" charset="0"/>
               <a:buNone/>
               <a:defRPr sz="1400" kern="1200">
                 <a:solidFill>
@@ -5185,7 +5013,7 @@
                 <a:spcPts val="600"/>
               </a:spcBef>
               <a:buSzPct val="80000"/>
-              <a:buFont typeface="Arial" pitchFamily="34" charset="0"/>
+              <a:buFont typeface="Arial" panose="020B0604020202020204" pitchFamily="34" charset="0"/>
               <a:buNone/>
               <a:defRPr sz="1400" kern="1200">
                 <a:solidFill>
@@ -5203,7 +5031,7 @@
                 <a:spcPts val="600"/>
               </a:spcBef>
               <a:buSzPct val="80000"/>
-              <a:buFont typeface="Arial" pitchFamily="34" charset="0"/>
+              <a:buFont typeface="Arial" panose="020B0604020202020204" pitchFamily="34" charset="0"/>
               <a:buNone/>
               <a:defRPr sz="1400" kern="1200">
                 <a:solidFill>
@@ -5226,6 +5054,7 @@
               <a:rPr lang="en-IE" sz="2800" dirty="0" smtClean="0"/>
               <a:t>What we have done (User Stories)</a:t>
             </a:r>
+            <a:endParaRPr lang="en-IE" sz="2800" dirty="0" smtClean="0"/>
           </a:p>
           <a:p>
             <a:pPr marL="342900" indent="-342900">
@@ -5240,6 +5069,7 @@
               <a:rPr lang="en-IE" sz="2800" dirty="0" smtClean="0"/>
               <a:t>1-3</a:t>
             </a:r>
+            <a:endParaRPr lang="en-IE" sz="2800" dirty="0" smtClean="0"/>
           </a:p>
           <a:p>
             <a:pPr marL="342900" indent="-342900">
@@ -5269,22 +5099,17 @@
     <p:custDataLst>
       <p:tags r:id="rId1"/>
     </p:custDataLst>
-    <p:extLst>
-      <p:ext uri="{BB962C8B-B14F-4D97-AF65-F5344CB8AC3E}">
-        <p14:creationId xmlns:p14="http://schemas.microsoft.com/office/powerpoint/2010/main" val="83189735"/>
-      </p:ext>
-    </p:extLst>
   </p:cSld>
   <p:clrMapOvr>
     <a:masterClrMapping/>
   </p:clrMapOvr>
-  <mc:AlternateContent xmlns:mc="http://schemas.openxmlformats.org/markup-compatibility/2006" xmlns:p14="http://schemas.microsoft.com/office/powerpoint/2010/main">
-    <mc:Choice Requires="p14">
+  <mc:AlternateContent xmlns:mc="http://schemas.openxmlformats.org/markup-compatibility/2006">
+    <mc:Choice xmlns:p14="http://schemas.microsoft.com/office/powerpoint/2010/main" Requires="p14">
       <p:transition spd="med" p14:dur="700">
         <p:fade/>
       </p:transition>
     </mc:Choice>
-    <mc:Fallback xmlns="">
+    <mc:Fallback>
       <p:transition spd="med">
         <p:fade/>
       </p:transition>
@@ -5313,9 +5138,7 @@
       <p:sp>
         <p:nvSpPr>
           <p:cNvPr id="3" name="Title 1"/>
-          <p:cNvSpPr txBox="1">
-            <a:spLocks/>
-          </p:cNvSpPr>
+          <p:cNvSpPr txBox="1"/>
           <p:nvPr/>
         </p:nvSpPr>
         <p:spPr>
@@ -5355,6 +5178,7 @@
               <a:rPr lang="en-IE" u="sng" dirty="0"/>
               <a:t>What we have done (User Stories)</a:t>
             </a:r>
+            <a:endParaRPr lang="en-IE" u="sng" dirty="0"/>
           </a:p>
         </p:txBody>
       </p:sp>
@@ -5366,8 +5190,8 @@
         </p:nvSpPr>
         <p:spPr>
           <a:xfrm>
-            <a:off x="2061964" y="2119536"/>
-            <a:ext cx="7750697" cy="3063659"/>
+            <a:off x="2325489" y="1803306"/>
+            <a:ext cx="7750697" cy="4189730"/>
           </a:xfrm>
           <a:prstGeom prst="rect">
             <a:avLst/>
@@ -5379,7 +5203,7 @@
           </a:bodyPr>
           <a:lstStyle/>
           <a:p>
-            <a:pPr marL="457200" marR="0" lvl="0" indent="-457200">
+            <a:pPr marR="0" lvl="0" indent="0">
               <a:lnSpc>
                 <a:spcPct val="107000"/>
               </a:lnSpc>
@@ -5390,10 +5214,10 @@
                 <a:spcPts val="0"/>
               </a:spcAft>
               <a:buFont typeface="Arial" panose="020B0604020202020204" pitchFamily="34" charset="0"/>
-              <a:buChar char="•"/>
+              <a:buNone/>
             </a:pPr>
             <a:r>
-              <a:rPr lang="en-IE" sz="2800" dirty="0" smtClean="0">
+              <a:rPr lang="en-GB" altLang="en-IE" sz="2800" dirty="0" smtClean="0">
                 <a:solidFill>
                   <a:schemeClr val="tx1">
                     <a:lumMod val="65000"/>
@@ -5401,29 +5225,7 @@
                   </a:schemeClr>
                 </a:solidFill>
               </a:rPr>
-              <a:t>Customer-Search </a:t>
-            </a:r>
-            <a:r>
-              <a:rPr lang="en-IE" sz="2800" dirty="0">
-                <a:solidFill>
-                  <a:schemeClr val="tx1">
-                    <a:lumMod val="65000"/>
-                    <a:lumOff val="35000"/>
-                  </a:schemeClr>
-                </a:solidFill>
-              </a:rPr>
-              <a:t>– Ali </a:t>
-            </a:r>
-            <a:r>
-              <a:rPr lang="en-IE" sz="2800" dirty="0" smtClean="0">
-                <a:solidFill>
-                  <a:schemeClr val="tx1">
-                    <a:lumMod val="65000"/>
-                    <a:lumOff val="35000"/>
-                  </a:schemeClr>
-                </a:solidFill>
-              </a:rPr>
-              <a:t>(Sprint 1-3)</a:t>
+              <a:t>Completed</a:t>
             </a:r>
             <a:endParaRPr lang="en-US" sz="2800" dirty="0" smtClean="0">
               <a:solidFill>
@@ -5451,7 +5253,29 @@
                   </a:schemeClr>
                 </a:solidFill>
               </a:rPr>
-              <a:t>Company-Add – Chenlei (Sprint 1-3)</a:t>
+              <a:t>Add </a:t>
+            </a:r>
+            <a:r>
+              <a:rPr lang="en-GB" altLang="en-IE" sz="2800" dirty="0" smtClean="0">
+                <a:solidFill>
+                  <a:schemeClr val="tx1">
+                    <a:lumMod val="65000"/>
+                    <a:lumOff val="35000"/>
+                  </a:schemeClr>
+                </a:solidFill>
+              </a:rPr>
+              <a:t>Events</a:t>
+            </a:r>
+            <a:r>
+              <a:rPr lang="en-IE" sz="2800" dirty="0" smtClean="0">
+                <a:solidFill>
+                  <a:schemeClr val="tx1">
+                    <a:lumMod val="65000"/>
+                    <a:lumOff val="35000"/>
+                  </a:schemeClr>
+                </a:solidFill>
+              </a:rPr>
+              <a:t> – Chenlei (Sprint 1-3)</a:t>
             </a:r>
             <a:endParaRPr lang="en-US" sz="2800" dirty="0" smtClean="0">
               <a:solidFill>
@@ -5479,7 +5303,7 @@
                   </a:schemeClr>
                 </a:solidFill>
               </a:rPr>
-              <a:t>User-</a:t>
+              <a:t>User </a:t>
             </a:r>
             <a:r>
               <a:rPr lang="en-IE" sz="2800" dirty="0" err="1" smtClean="0">
@@ -5543,10 +5367,10 @@
                   </a:schemeClr>
                 </a:solidFill>
               </a:rPr>
-              <a:t>Admin-Comment </a:t>
-            </a:r>
-            <a:r>
-              <a:rPr lang="en-IE" sz="2800" dirty="0">
+              <a:t>Admin </a:t>
+            </a:r>
+            <a:r>
+              <a:rPr lang="en-GB" altLang="en-IE" sz="2800" dirty="0" smtClean="0">
                 <a:solidFill>
                   <a:schemeClr val="tx1">
                     <a:lumMod val="65000"/>
@@ -5554,10 +5378,10 @@
                   </a:schemeClr>
                 </a:solidFill>
               </a:rPr>
-              <a:t>– </a:t>
-            </a:r>
-            <a:r>
-              <a:rPr lang="en-IE" sz="2800" dirty="0" err="1">
+              <a:t>Page</a:t>
+            </a:r>
+            <a:r>
+              <a:rPr lang="en-IE" sz="2800" dirty="0" smtClean="0">
                 <a:solidFill>
                   <a:schemeClr val="tx1">
                     <a:lumMod val="65000"/>
@@ -5565,7 +5389,7 @@
                   </a:schemeClr>
                 </a:solidFill>
               </a:rPr>
-              <a:t>Surendra</a:t>
+              <a:t> </a:t>
             </a:r>
             <a:r>
               <a:rPr lang="en-IE" sz="2800" dirty="0">
@@ -5576,8 +5400,69 @@
                   </a:schemeClr>
                 </a:solidFill>
               </a:rPr>
+              <a:t>– </a:t>
+            </a:r>
+            <a:r>
+              <a:rPr lang="en-IE" sz="2800" dirty="0" err="1">
+                <a:solidFill>
+                  <a:schemeClr val="tx1">
+                    <a:lumMod val="65000"/>
+                    <a:lumOff val="35000"/>
+                  </a:schemeClr>
+                </a:solidFill>
+              </a:rPr>
+              <a:t>Surendra</a:t>
+            </a:r>
+            <a:r>
+              <a:rPr lang="en-IE" sz="2800" dirty="0">
+                <a:solidFill>
+                  <a:schemeClr val="tx1">
+                    <a:lumMod val="65000"/>
+                    <a:lumOff val="35000"/>
+                  </a:schemeClr>
+                </a:solidFill>
+              </a:rPr>
               <a:t> (Sprint 1-2)</a:t>
             </a:r>
+            <a:endParaRPr lang="en-IE" sz="2800" dirty="0">
+              <a:solidFill>
+                <a:schemeClr val="tx1">
+                  <a:lumMod val="65000"/>
+                  <a:lumOff val="35000"/>
+                </a:schemeClr>
+              </a:solidFill>
+            </a:endParaRPr>
+          </a:p>
+          <a:p>
+            <a:pPr indent="0">
+              <a:lnSpc>
+                <a:spcPct val="107000"/>
+              </a:lnSpc>
+              <a:spcAft>
+                <a:spcPts val="800"/>
+              </a:spcAft>
+              <a:buFont typeface="Arial" panose="020B0604020202020204" pitchFamily="34" charset="0"/>
+              <a:buNone/>
+            </a:pPr>
+            <a:r>
+              <a:rPr lang="en-GB" altLang="en-IE" sz="2800" dirty="0">
+                <a:solidFill>
+                  <a:schemeClr val="tx1">
+                    <a:lumMod val="65000"/>
+                    <a:lumOff val="35000"/>
+                  </a:schemeClr>
+                </a:solidFill>
+              </a:rPr>
+              <a:t>On Prograss</a:t>
+            </a:r>
+            <a:endParaRPr lang="en-GB" altLang="en-IE" sz="2800" dirty="0">
+              <a:solidFill>
+                <a:schemeClr val="tx1">
+                  <a:lumMod val="65000"/>
+                  <a:lumOff val="35000"/>
+                </a:schemeClr>
+              </a:solidFill>
+            </a:endParaRPr>
           </a:p>
           <a:p>
             <a:pPr marL="457200" indent="-457200">
@@ -5591,15 +5476,119 @@
               <a:buChar char="•"/>
             </a:pPr>
             <a:r>
-              <a:rPr lang="en-US" sz="2800" dirty="0">
+              <a:rPr lang="en-IE" sz="2800" dirty="0" smtClean="0">
                 <a:solidFill>
                   <a:schemeClr val="tx1">
                     <a:lumMod val="65000"/>
                     <a:lumOff val="35000"/>
                   </a:schemeClr>
                 </a:solidFill>
+                <a:sym typeface="+mn-ea"/>
               </a:rPr>
-              <a:t>Customer-Save</a:t>
+              <a:t>Search</a:t>
+            </a:r>
+            <a:r>
+              <a:rPr lang="en-GB" altLang="en-IE" sz="2800" dirty="0" smtClean="0">
+                <a:solidFill>
+                  <a:schemeClr val="tx1">
+                    <a:lumMod val="65000"/>
+                    <a:lumOff val="35000"/>
+                  </a:schemeClr>
+                </a:solidFill>
+                <a:sym typeface="+mn-ea"/>
+              </a:rPr>
+              <a:t>ing</a:t>
+            </a:r>
+            <a:r>
+              <a:rPr lang="en-IE" sz="2800" dirty="0" smtClean="0">
+                <a:solidFill>
+                  <a:schemeClr val="tx1">
+                    <a:lumMod val="65000"/>
+                    <a:lumOff val="35000"/>
+                  </a:schemeClr>
+                </a:solidFill>
+                <a:sym typeface="+mn-ea"/>
+              </a:rPr>
+              <a:t> </a:t>
+            </a:r>
+            <a:r>
+              <a:rPr lang="en-IE" sz="2800" dirty="0">
+                <a:solidFill>
+                  <a:schemeClr val="tx1">
+                    <a:lumMod val="65000"/>
+                    <a:lumOff val="35000"/>
+                  </a:schemeClr>
+                </a:solidFill>
+                <a:sym typeface="+mn-ea"/>
+              </a:rPr>
+              <a:t>– Ali </a:t>
+            </a:r>
+            <a:r>
+              <a:rPr lang="en-IE" sz="2800" dirty="0" smtClean="0">
+                <a:solidFill>
+                  <a:schemeClr val="tx1">
+                    <a:lumMod val="65000"/>
+                    <a:lumOff val="35000"/>
+                  </a:schemeClr>
+                </a:solidFill>
+                <a:sym typeface="+mn-ea"/>
+              </a:rPr>
+              <a:t>(Sprint 1-</a:t>
+            </a:r>
+            <a:r>
+              <a:rPr lang="en-GB" altLang="en-IE" sz="2800" dirty="0" smtClean="0">
+                <a:solidFill>
+                  <a:schemeClr val="tx1">
+                    <a:lumMod val="65000"/>
+                    <a:lumOff val="35000"/>
+                  </a:schemeClr>
+                </a:solidFill>
+                <a:sym typeface="+mn-ea"/>
+              </a:rPr>
+              <a:t>5</a:t>
+            </a:r>
+            <a:r>
+              <a:rPr lang="en-IE" sz="2800" dirty="0" smtClean="0">
+                <a:solidFill>
+                  <a:schemeClr val="tx1">
+                    <a:lumMod val="65000"/>
+                    <a:lumOff val="35000"/>
+                  </a:schemeClr>
+                </a:solidFill>
+                <a:sym typeface="+mn-ea"/>
+              </a:rPr>
+              <a:t>)</a:t>
+            </a:r>
+            <a:endParaRPr lang="en-IE" sz="2800" dirty="0">
+              <a:solidFill>
+                <a:schemeClr val="tx1">
+                  <a:lumMod val="65000"/>
+                  <a:lumOff val="35000"/>
+                </a:schemeClr>
+              </a:solidFill>
+            </a:endParaRPr>
+          </a:p>
+          <a:p>
+            <a:pPr marL="457200" indent="-457200">
+              <a:lnSpc>
+                <a:spcPct val="107000"/>
+              </a:lnSpc>
+              <a:spcAft>
+                <a:spcPts val="800"/>
+              </a:spcAft>
+              <a:buFont typeface="Arial" panose="020B0604020202020204" pitchFamily="34" charset="0"/>
+              <a:buChar char="•"/>
+            </a:pPr>
+            <a:r>
+              <a:rPr lang="en-US" sz="2800" dirty="0">
+                <a:solidFill>
+                  <a:schemeClr val="tx1">
+                    <a:lumMod val="65000"/>
+                    <a:lumOff val="35000"/>
+                  </a:schemeClr>
+                </a:solidFill>
+              </a:rPr>
+              <a:t>Customer Save</a:t>
             </a:r>
             <a:r>
               <a:rPr lang="en-IE" sz="2800" dirty="0">
@@ -5680,22 +5669,17 @@
     <p:custDataLst>
       <p:tags r:id="rId1"/>
     </p:custDataLst>
-    <p:extLst>
-      <p:ext uri="{BB962C8B-B14F-4D97-AF65-F5344CB8AC3E}">
-        <p14:creationId xmlns:p14="http://schemas.microsoft.com/office/powerpoint/2010/main" val="1641407705"/>
-      </p:ext>
-    </p:extLst>
   </p:cSld>
   <p:clrMapOvr>
     <a:masterClrMapping/>
   </p:clrMapOvr>
-  <mc:AlternateContent xmlns:mc="http://schemas.openxmlformats.org/markup-compatibility/2006" xmlns:p14="http://schemas.microsoft.com/office/powerpoint/2010/main">
-    <mc:Choice Requires="p14">
+  <mc:AlternateContent xmlns:mc="http://schemas.openxmlformats.org/markup-compatibility/2006">
+    <mc:Choice xmlns:p14="http://schemas.microsoft.com/office/powerpoint/2010/main" Requires="p14">
       <p:transition spd="med" p14:dur="700">
         <p:fade/>
       </p:transition>
     </mc:Choice>
-    <mc:Fallback xmlns="">
+    <mc:Fallback>
       <p:transition spd="med">
         <p:fade/>
       </p:transition>
@@ -5724,9 +5708,7 @@
       <p:sp>
         <p:nvSpPr>
           <p:cNvPr id="3" name="Title 1"/>
-          <p:cNvSpPr txBox="1">
-            <a:spLocks/>
-          </p:cNvSpPr>
+          <p:cNvSpPr txBox="1"/>
           <p:nvPr/>
         </p:nvSpPr>
         <p:spPr>
@@ -5766,6 +5748,7 @@
               <a:rPr lang="en-IE" u="sng" dirty="0"/>
               <a:t>What we have done (User Stories)</a:t>
             </a:r>
+            <a:endParaRPr lang="en-IE" u="sng" dirty="0"/>
           </a:p>
         </p:txBody>
       </p:sp>
@@ -5809,6 +5792,14 @@
               </a:rPr>
               <a:t>Why we choose those tasks?</a:t>
             </a:r>
+            <a:endParaRPr lang="en-GB" sz="2800" dirty="0" smtClean="0">
+              <a:solidFill>
+                <a:schemeClr val="tx1">
+                  <a:lumMod val="65000"/>
+                  <a:lumOff val="35000"/>
+                </a:schemeClr>
+              </a:solidFill>
+            </a:endParaRPr>
           </a:p>
           <a:p>
             <a:pPr marL="914400" lvl="1" indent="-457200">
@@ -5852,7 +5843,7 @@
           <p:nvPr/>
         </p:nvPicPr>
         <p:blipFill>
-          <a:blip r:embed="rId3"/>
+          <a:blip r:embed="rId1"/>
           <a:stretch>
             <a:fillRect/>
           </a:stretch>
@@ -5869,24 +5860,19 @@
       </p:pic>
     </p:spTree>
     <p:custDataLst>
-      <p:tags r:id="rId1"/>
+      <p:tags r:id="rId2"/>
     </p:custDataLst>
-    <p:extLst>
-      <p:ext uri="{BB962C8B-B14F-4D97-AF65-F5344CB8AC3E}">
-        <p14:creationId xmlns:p14="http://schemas.microsoft.com/office/powerpoint/2010/main" val="2810850575"/>
-      </p:ext>
-    </p:extLst>
   </p:cSld>
   <p:clrMapOvr>
     <a:masterClrMapping/>
   </p:clrMapOvr>
-  <mc:AlternateContent xmlns:mc="http://schemas.openxmlformats.org/markup-compatibility/2006" xmlns:p14="http://schemas.microsoft.com/office/powerpoint/2010/main">
-    <mc:Choice Requires="p14">
+  <mc:AlternateContent xmlns:mc="http://schemas.openxmlformats.org/markup-compatibility/2006">
+    <mc:Choice xmlns:p14="http://schemas.microsoft.com/office/powerpoint/2010/main" Requires="p14">
       <p:transition spd="med" p14:dur="700">
         <p:fade/>
       </p:transition>
     </mc:Choice>
-    <mc:Fallback xmlns="">
+    <mc:Fallback>
       <p:transition spd="med">
         <p:fade/>
       </p:transition>
@@ -5914,15 +5900,13 @@
       </p:grpSpPr>
       <p:sp>
         <p:nvSpPr>
-          <p:cNvPr id="2" name="Title 1"/>
-          <p:cNvSpPr txBox="1">
-            <a:spLocks/>
-          </p:cNvSpPr>
+          <p:cNvPr id="6" name="Title 1"/>
+          <p:cNvSpPr txBox="1"/>
           <p:nvPr/>
         </p:nvSpPr>
         <p:spPr>
           <a:xfrm>
-            <a:off x="1019979" y="1334725"/>
+            <a:off x="981844" y="1210072"/>
             <a:ext cx="8686801" cy="1066800"/>
           </a:xfrm>
           <a:prstGeom prst="rect">
@@ -5955,97 +5939,128 @@
           <a:p>
             <a:r>
               <a:rPr lang="en-IE" u="sng" dirty="0"/>
-              <a:t>Sprints </a:t>
-            </a:r>
-            <a:r>
-              <a:rPr lang="en-IE" u="sng" dirty="0" smtClean="0"/>
-              <a:t>1-3 (Roles)</a:t>
+              <a:t>Daily Meeting</a:t>
             </a:r>
             <a:endParaRPr lang="en-IE" u="sng" dirty="0"/>
+          </a:p>
+        </p:txBody>
+      </p:sp>
+      <p:sp>
+        <p:nvSpPr>
+          <p:cNvPr id="7" name="TextBox 6"/>
+          <p:cNvSpPr txBox="1"/>
+          <p:nvPr/>
+        </p:nvSpPr>
+        <p:spPr>
+          <a:xfrm>
+            <a:off x="1917948" y="2204864"/>
+            <a:ext cx="6552728" cy="1384995"/>
+          </a:xfrm>
+          <a:prstGeom prst="rect">
+            <a:avLst/>
+          </a:prstGeom>
+          <a:noFill/>
+        </p:spPr>
+        <p:txBody>
+          <a:bodyPr wrap="square" rtlCol="0">
+            <a:spAutoFit/>
+          </a:bodyPr>
+          <a:lstStyle/>
+          <a:p>
+            <a:pPr marL="457200" indent="-457200">
+              <a:buFont typeface="Arial" panose="020B0604020202020204" pitchFamily="34" charset="0"/>
+              <a:buChar char="•"/>
+            </a:pPr>
+            <a:r>
+              <a:rPr lang="en-IE" sz="2800" dirty="0">
+                <a:solidFill>
+                  <a:schemeClr val="tx1">
+                    <a:lumMod val="65000"/>
+                    <a:lumOff val="35000"/>
+                  </a:schemeClr>
+                </a:solidFill>
+              </a:rPr>
+              <a:t>What did you do?</a:t>
+            </a:r>
+            <a:endParaRPr lang="en-IE" sz="2800" dirty="0">
+              <a:solidFill>
+                <a:schemeClr val="tx1">
+                  <a:lumMod val="65000"/>
+                  <a:lumOff val="35000"/>
+                </a:schemeClr>
+              </a:solidFill>
+            </a:endParaRPr>
+          </a:p>
+          <a:p>
+            <a:pPr marL="457200" indent="-457200">
+              <a:buFont typeface="Arial" panose="020B0604020202020204" pitchFamily="34" charset="0"/>
+              <a:buChar char="•"/>
+            </a:pPr>
+            <a:r>
+              <a:rPr lang="en-IE" sz="2800" dirty="0">
+                <a:solidFill>
+                  <a:schemeClr val="tx1">
+                    <a:lumMod val="65000"/>
+                    <a:lumOff val="35000"/>
+                  </a:schemeClr>
+                </a:solidFill>
+              </a:rPr>
+              <a:t>What are you going to do for today?</a:t>
+            </a:r>
+            <a:endParaRPr lang="en-IE" sz="2800" dirty="0">
+              <a:solidFill>
+                <a:schemeClr val="tx1">
+                  <a:lumMod val="65000"/>
+                  <a:lumOff val="35000"/>
+                </a:schemeClr>
+              </a:solidFill>
+            </a:endParaRPr>
+          </a:p>
+          <a:p>
+            <a:pPr marL="457200" indent="-457200">
+              <a:buFont typeface="Arial" panose="020B0604020202020204" pitchFamily="34" charset="0"/>
+              <a:buChar char="•"/>
+            </a:pPr>
+            <a:r>
+              <a:rPr lang="en-IE" sz="2800" dirty="0">
+                <a:solidFill>
+                  <a:schemeClr val="tx1">
+                    <a:lumMod val="65000"/>
+                    <a:lumOff val="35000"/>
+                  </a:schemeClr>
+                </a:solidFill>
+              </a:rPr>
+              <a:t>Issues?</a:t>
+            </a:r>
+            <a:endParaRPr lang="en-IE" sz="2800" dirty="0">
+              <a:solidFill>
+                <a:schemeClr val="tx1">
+                  <a:lumMod val="65000"/>
+                  <a:lumOff val="35000"/>
+                </a:schemeClr>
+              </a:solidFill>
+            </a:endParaRPr>
           </a:p>
         </p:txBody>
       </p:sp>
       <p:pic>
         <p:nvPicPr>
-          <p:cNvPr id="5" name="Picture 4" descr="Screen Clipping"/>
+          <p:cNvPr id="8" name="Picture 7"/>
           <p:cNvPicPr>
             <a:picLocks noChangeAspect="1"/>
           </p:cNvPicPr>
           <p:nvPr/>
         </p:nvPicPr>
-        <p:blipFill rotWithShape="1">
-          <a:blip r:embed="rId3">
-            <a:extLst>
-              <a:ext uri="{28A0092B-C50C-407E-A947-70E740481C1C}">
-                <a14:useLocalDpi xmlns:a14="http://schemas.microsoft.com/office/drawing/2010/main" val="0"/>
-              </a:ext>
-            </a:extLst>
-          </a:blip>
-          <a:srcRect r="3096" b="68439"/>
-          <a:stretch/>
+        <p:blipFill>
+          <a:blip r:embed="rId1"/>
+          <a:stretch>
+            <a:fillRect/>
+          </a:stretch>
         </p:blipFill>
         <p:spPr>
           <a:xfrm>
-            <a:off x="837828" y="2479575"/>
-            <a:ext cx="3400515" cy="1627311"/>
-          </a:xfrm>
-          <a:prstGeom prst="rect">
-            <a:avLst/>
-          </a:prstGeom>
-        </p:spPr>
-      </p:pic>
-      <p:pic>
-        <p:nvPicPr>
-          <p:cNvPr id="4" name="Picture 3" descr="Screen Clipping"/>
-          <p:cNvPicPr>
-            <a:picLocks noChangeAspect="1"/>
-          </p:cNvPicPr>
-          <p:nvPr/>
-        </p:nvPicPr>
-        <p:blipFill rotWithShape="1">
-          <a:blip r:embed="rId3">
-            <a:extLst>
-              <a:ext uri="{28A0092B-C50C-407E-A947-70E740481C1C}">
-                <a14:useLocalDpi xmlns:a14="http://schemas.microsoft.com/office/drawing/2010/main" val="0"/>
-              </a:ext>
-            </a:extLst>
-          </a:blip>
-          <a:srcRect l="-1548" t="33139" r="297" b="32144"/>
-          <a:stretch/>
-        </p:blipFill>
-        <p:spPr>
-          <a:xfrm>
-            <a:off x="4238343" y="2408294"/>
-            <a:ext cx="3371522" cy="1698592"/>
-          </a:xfrm>
-          <a:prstGeom prst="rect">
-            <a:avLst/>
-          </a:prstGeom>
-        </p:spPr>
-      </p:pic>
-      <p:pic>
-        <p:nvPicPr>
-          <p:cNvPr id="6" name="Picture 5" descr="Screen Clipping"/>
-          <p:cNvPicPr>
-            <a:picLocks noChangeAspect="1"/>
-          </p:cNvPicPr>
-          <p:nvPr/>
-        </p:nvPicPr>
-        <p:blipFill rotWithShape="1">
-          <a:blip r:embed="rId3">
-            <a:extLst>
-              <a:ext uri="{28A0092B-C50C-407E-A947-70E740481C1C}">
-                <a14:useLocalDpi xmlns:a14="http://schemas.microsoft.com/office/drawing/2010/main" val="0"/>
-              </a:ext>
-            </a:extLst>
-          </a:blip>
-          <a:srcRect t="67672" r="297"/>
-          <a:stretch/>
-        </p:blipFill>
-        <p:spPr>
-          <a:xfrm>
-            <a:off x="7998917" y="2368777"/>
-            <a:ext cx="3415726" cy="1627311"/>
+            <a:off x="5986400" y="3589859"/>
+            <a:ext cx="4968552" cy="2599288"/>
           </a:xfrm>
           <a:prstGeom prst="rect">
             <a:avLst/>
@@ -6054,24 +6069,19 @@
       </p:pic>
     </p:spTree>
     <p:custDataLst>
-      <p:tags r:id="rId1"/>
+      <p:tags r:id="rId2"/>
     </p:custDataLst>
-    <p:extLst>
-      <p:ext uri="{BB962C8B-B14F-4D97-AF65-F5344CB8AC3E}">
-        <p14:creationId xmlns:p14="http://schemas.microsoft.com/office/powerpoint/2010/main" val="2284371723"/>
-      </p:ext>
-    </p:extLst>
   </p:cSld>
   <p:clrMapOvr>
     <a:masterClrMapping/>
   </p:clrMapOvr>
-  <mc:AlternateContent xmlns:mc="http://schemas.openxmlformats.org/markup-compatibility/2006" xmlns:p14="http://schemas.microsoft.com/office/powerpoint/2010/main">
-    <mc:Choice Requires="p14">
+  <mc:AlternateContent xmlns:mc="http://schemas.openxmlformats.org/markup-compatibility/2006">
+    <mc:Choice xmlns:p14="http://schemas.microsoft.com/office/powerpoint/2010/main" Requires="p14">
       <p:transition spd="med" p14:dur="700">
         <p:fade/>
       </p:transition>
     </mc:Choice>
-    <mc:Fallback xmlns="">
+    <mc:Fallback>
       <p:transition spd="med">
         <p:fade/>
       </p:transition>
@@ -6099,15 +6109,13 @@
       </p:grpSpPr>
       <p:sp>
         <p:nvSpPr>
-          <p:cNvPr id="6" name="Title 1"/>
-          <p:cNvSpPr txBox="1">
-            <a:spLocks/>
-          </p:cNvSpPr>
+          <p:cNvPr id="2" name="Title 1"/>
+          <p:cNvSpPr txBox="1"/>
           <p:nvPr/>
         </p:nvSpPr>
         <p:spPr>
           <a:xfrm>
-            <a:off x="981844" y="1210072"/>
+            <a:off x="1019979" y="1334725"/>
             <a:ext cx="8686801" cy="1066800"/>
           </a:xfrm>
           <a:prstGeom prst="rect">
@@ -6140,103 +6148,103 @@
           <a:p>
             <a:r>
               <a:rPr lang="en-IE" u="sng" dirty="0"/>
-              <a:t>Daily Meeting</a:t>
-            </a:r>
-          </a:p>
-        </p:txBody>
-      </p:sp>
-      <p:sp>
-        <p:nvSpPr>
-          <p:cNvPr id="7" name="TextBox 6"/>
-          <p:cNvSpPr txBox="1"/>
-          <p:nvPr/>
-        </p:nvSpPr>
-        <p:spPr>
-          <a:xfrm>
-            <a:off x="1917948" y="2204864"/>
-            <a:ext cx="6552728" cy="1384995"/>
-          </a:xfrm>
-          <a:prstGeom prst="rect">
-            <a:avLst/>
-          </a:prstGeom>
-          <a:noFill/>
-        </p:spPr>
-        <p:txBody>
-          <a:bodyPr wrap="square" rtlCol="0">
-            <a:spAutoFit/>
-          </a:bodyPr>
-          <a:lstStyle/>
-          <a:p>
-            <a:pPr marL="457200" indent="-457200">
-              <a:buFont typeface="Arial" panose="020B0604020202020204" pitchFamily="34" charset="0"/>
-              <a:buChar char="•"/>
-            </a:pPr>
-            <a:r>
-              <a:rPr lang="en-IE" sz="2800" dirty="0">
-                <a:solidFill>
-                  <a:schemeClr val="tx1">
-                    <a:lumMod val="65000"/>
-                    <a:lumOff val="35000"/>
-                  </a:schemeClr>
-                </a:solidFill>
-              </a:rPr>
-              <a:t>What did you do?</a:t>
-            </a:r>
-          </a:p>
-          <a:p>
-            <a:pPr marL="457200" indent="-457200">
-              <a:buFont typeface="Arial" panose="020B0604020202020204" pitchFamily="34" charset="0"/>
-              <a:buChar char="•"/>
-            </a:pPr>
-            <a:r>
-              <a:rPr lang="en-IE" sz="2800" dirty="0">
-                <a:solidFill>
-                  <a:schemeClr val="tx1">
-                    <a:lumMod val="65000"/>
-                    <a:lumOff val="35000"/>
-                  </a:schemeClr>
-                </a:solidFill>
-              </a:rPr>
-              <a:t>What are you going to do for today?</a:t>
-            </a:r>
-          </a:p>
-          <a:p>
-            <a:pPr marL="457200" indent="-457200">
-              <a:buFont typeface="Arial" panose="020B0604020202020204" pitchFamily="34" charset="0"/>
-              <a:buChar char="•"/>
-            </a:pPr>
-            <a:r>
-              <a:rPr lang="en-IE" sz="2800" dirty="0">
-                <a:solidFill>
-                  <a:schemeClr val="tx1">
-                    <a:lumMod val="65000"/>
-                    <a:lumOff val="35000"/>
-                  </a:schemeClr>
-                </a:solidFill>
-              </a:rPr>
-              <a:t>Issues?</a:t>
-            </a:r>
+              <a:t>Sprints </a:t>
+            </a:r>
+            <a:r>
+              <a:rPr lang="en-IE" u="sng" dirty="0" smtClean="0"/>
+              <a:t>1-3 (Roles)</a:t>
+            </a:r>
+            <a:endParaRPr lang="en-IE" u="sng" dirty="0"/>
           </a:p>
         </p:txBody>
       </p:sp>
       <p:pic>
         <p:nvPicPr>
-          <p:cNvPr id="8" name="Picture 7"/>
+          <p:cNvPr id="5" name="Picture 4" descr="Screen Clipping"/>
           <p:cNvPicPr>
             <a:picLocks noChangeAspect="1"/>
           </p:cNvPicPr>
           <p:nvPr/>
         </p:nvPicPr>
-        <p:blipFill>
-          <a:blip r:embed="rId3"/>
+        <p:blipFill rotWithShape="1">
+          <a:blip r:embed="rId1">
+            <a:extLst>
+              <a:ext uri="{28A0092B-C50C-407E-A947-70E740481C1C}">
+                <a14:useLocalDpi xmlns:a14="http://schemas.microsoft.com/office/drawing/2010/main" val="0"/>
+              </a:ext>
+            </a:extLst>
+          </a:blip>
+          <a:srcRect r="3096" b="68439"/>
           <a:stretch>
             <a:fillRect/>
           </a:stretch>
         </p:blipFill>
         <p:spPr>
           <a:xfrm>
-            <a:off x="5986400" y="3589859"/>
-            <a:ext cx="4968552" cy="2599288"/>
+            <a:off x="837828" y="2479575"/>
+            <a:ext cx="3400515" cy="1627311"/>
+          </a:xfrm>
+          <a:prstGeom prst="rect">
+            <a:avLst/>
+          </a:prstGeom>
+        </p:spPr>
+      </p:pic>
+      <p:pic>
+        <p:nvPicPr>
+          <p:cNvPr id="4" name="Picture 3" descr="Screen Clipping"/>
+          <p:cNvPicPr>
+            <a:picLocks noChangeAspect="1"/>
+          </p:cNvPicPr>
+          <p:nvPr/>
+        </p:nvPicPr>
+        <p:blipFill rotWithShape="1">
+          <a:blip r:embed="rId1">
+            <a:extLst>
+              <a:ext uri="{28A0092B-C50C-407E-A947-70E740481C1C}">
+                <a14:useLocalDpi xmlns:a14="http://schemas.microsoft.com/office/drawing/2010/main" val="0"/>
+              </a:ext>
+            </a:extLst>
+          </a:blip>
+          <a:srcRect l="-1548" t="33139" r="297" b="32144"/>
+          <a:stretch>
+            <a:fillRect/>
+          </a:stretch>
+        </p:blipFill>
+        <p:spPr>
+          <a:xfrm>
+            <a:off x="4238343" y="2408294"/>
+            <a:ext cx="3371522" cy="1698592"/>
+          </a:xfrm>
+          <a:prstGeom prst="rect">
+            <a:avLst/>
+          </a:prstGeom>
+        </p:spPr>
+      </p:pic>
+      <p:pic>
+        <p:nvPicPr>
+          <p:cNvPr id="6" name="Picture 5" descr="Screen Clipping"/>
+          <p:cNvPicPr>
+            <a:picLocks noChangeAspect="1"/>
+          </p:cNvPicPr>
+          <p:nvPr/>
+        </p:nvPicPr>
+        <p:blipFill rotWithShape="1">
+          <a:blip r:embed="rId1">
+            <a:extLst>
+              <a:ext uri="{28A0092B-C50C-407E-A947-70E740481C1C}">
+                <a14:useLocalDpi xmlns:a14="http://schemas.microsoft.com/office/drawing/2010/main" val="0"/>
+              </a:ext>
+            </a:extLst>
+          </a:blip>
+          <a:srcRect t="67672" r="297"/>
+          <a:stretch>
+            <a:fillRect/>
+          </a:stretch>
+        </p:blipFill>
+        <p:spPr>
+          <a:xfrm>
+            <a:off x="7998917" y="2368777"/>
+            <a:ext cx="3415726" cy="1627311"/>
           </a:xfrm>
           <a:prstGeom prst="rect">
             <a:avLst/>
@@ -6245,24 +6253,19 @@
       </p:pic>
     </p:spTree>
     <p:custDataLst>
-      <p:tags r:id="rId1"/>
+      <p:tags r:id="rId2"/>
     </p:custDataLst>
-    <p:extLst>
-      <p:ext uri="{BB962C8B-B14F-4D97-AF65-F5344CB8AC3E}">
-        <p14:creationId xmlns:p14="http://schemas.microsoft.com/office/powerpoint/2010/main" val="4224210779"/>
-      </p:ext>
-    </p:extLst>
   </p:cSld>
   <p:clrMapOvr>
     <a:masterClrMapping/>
   </p:clrMapOvr>
-  <mc:AlternateContent xmlns:mc="http://schemas.openxmlformats.org/markup-compatibility/2006" xmlns:p14="http://schemas.microsoft.com/office/powerpoint/2010/main">
-    <mc:Choice Requires="p14">
+  <mc:AlternateContent xmlns:mc="http://schemas.openxmlformats.org/markup-compatibility/2006">
+    <mc:Choice xmlns:p14="http://schemas.microsoft.com/office/powerpoint/2010/main" Requires="p14">
       <p:transition spd="med" p14:dur="700">
         <p:fade/>
       </p:transition>
     </mc:Choice>
-    <mc:Fallback xmlns="">
+    <mc:Fallback>
       <p:transition spd="med">
         <p:fade/>
       </p:transition>
@@ -6291,9 +6294,7 @@
       <p:sp>
         <p:nvSpPr>
           <p:cNvPr id="2" name="Title 1"/>
-          <p:cNvSpPr txBox="1">
-            <a:spLocks/>
-          </p:cNvSpPr>
+          <p:cNvSpPr txBox="1"/>
           <p:nvPr/>
         </p:nvSpPr>
         <p:spPr>
@@ -6333,6 +6334,7 @@
               <a:rPr lang="en-IE" u="sng" dirty="0"/>
               <a:t>Future Sprint and work</a:t>
             </a:r>
+            <a:endParaRPr lang="en-IE" u="sng" dirty="0"/>
           </a:p>
         </p:txBody>
       </p:sp>
@@ -6345,7 +6347,7 @@
         <p:spPr>
           <a:xfrm>
             <a:off x="1053852" y="2075765"/>
-            <a:ext cx="4968552" cy="3319498"/>
+            <a:ext cx="4968552" cy="3318510"/>
           </a:xfrm>
           <a:prstGeom prst="rect">
             <a:avLst/>
@@ -6379,6 +6381,14 @@
               </a:rPr>
               <a:t>Sprint 4</a:t>
             </a:r>
+            <a:endParaRPr lang="en-GB" sz="2800" dirty="0" smtClean="0">
+              <a:solidFill>
+                <a:schemeClr val="tx1">
+                  <a:lumMod val="65000"/>
+                  <a:lumOff val="35000"/>
+                </a:schemeClr>
+              </a:solidFill>
+            </a:endParaRPr>
           </a:p>
           <a:p>
             <a:pPr marL="457200" marR="0" lvl="0" indent="-457200">
@@ -6403,7 +6413,7 @@
                   </a:schemeClr>
                 </a:solidFill>
               </a:rPr>
-              <a:t>Customer-Save</a:t>
+              <a:t>Customer Save</a:t>
             </a:r>
             <a:r>
               <a:rPr lang="en-IE" sz="2800" dirty="0">
@@ -6459,10 +6469,10 @@
                   </a:schemeClr>
                 </a:solidFill>
               </a:rPr>
-              <a:t>Customer-Search – </a:t>
-            </a:r>
-            <a:r>
-              <a:rPr lang="en-IE" sz="2800" dirty="0" smtClean="0">
+              <a:t>Search</a:t>
+            </a:r>
+            <a:r>
+              <a:rPr lang="en-GB" altLang="en-IE" sz="2800" dirty="0">
                 <a:solidFill>
                   <a:schemeClr val="tx1">
                     <a:lumMod val="65000"/>
@@ -6470,8 +6480,38 @@
                   </a:schemeClr>
                 </a:solidFill>
               </a:rPr>
+              <a:t>ing</a:t>
+            </a:r>
+            <a:r>
+              <a:rPr lang="en-IE" sz="2800" dirty="0">
+                <a:solidFill>
+                  <a:schemeClr val="tx1">
+                    <a:lumMod val="65000"/>
+                    <a:lumOff val="35000"/>
+                  </a:schemeClr>
+                </a:solidFill>
+              </a:rPr>
+              <a:t> – </a:t>
+            </a:r>
+            <a:r>
+              <a:rPr lang="en-IE" sz="2800" dirty="0" smtClean="0">
+                <a:solidFill>
+                  <a:schemeClr val="tx1">
+                    <a:lumMod val="65000"/>
+                    <a:lumOff val="35000"/>
+                  </a:schemeClr>
+                </a:solidFill>
+              </a:rPr>
               <a:t>Ali</a:t>
             </a:r>
+            <a:endParaRPr lang="en-IE" sz="2800" dirty="0" smtClean="0">
+              <a:solidFill>
+                <a:schemeClr val="tx1">
+                  <a:lumMod val="65000"/>
+                  <a:lumOff val="35000"/>
+                </a:schemeClr>
+              </a:solidFill>
+            </a:endParaRPr>
           </a:p>
           <a:p>
             <a:pPr marL="457200" marR="0" lvl="0" indent="-457200">
@@ -6496,8 +6536,16 @@
                   </a:schemeClr>
                 </a:solidFill>
               </a:rPr>
-              <a:t>Company-Edit –Chenlei</a:t>
-            </a:r>
+              <a:t>Company Edit –Chenlei</a:t>
+            </a:r>
+            <a:endParaRPr lang="en-IE" sz="2800" dirty="0" smtClean="0">
+              <a:solidFill>
+                <a:schemeClr val="tx1">
+                  <a:lumMod val="65000"/>
+                  <a:lumOff val="35000"/>
+                </a:schemeClr>
+              </a:solidFill>
+            </a:endParaRPr>
           </a:p>
           <a:p>
             <a:pPr marL="457200" marR="0" lvl="0" indent="-457200">
@@ -6522,8 +6570,16 @@
                   </a:schemeClr>
                 </a:solidFill>
               </a:rPr>
-              <a:t>User-Edit-Account - Keith</a:t>
-            </a:r>
+              <a:t>User Edit Account - Keith</a:t>
+            </a:r>
+            <a:endParaRPr lang="en-IE" sz="2800" dirty="0" smtClean="0">
+              <a:solidFill>
+                <a:schemeClr val="tx1">
+                  <a:lumMod val="65000"/>
+                  <a:lumOff val="35000"/>
+                </a:schemeClr>
+              </a:solidFill>
+            </a:endParaRPr>
           </a:p>
           <a:p>
             <a:pPr marL="457200" marR="0" lvl="0" indent="-457200">
@@ -6579,7 +6635,7 @@
           <p:nvPr/>
         </p:nvPicPr>
         <p:blipFill>
-          <a:blip r:embed="rId3">
+          <a:blip r:embed="rId1">
             <a:extLst>
               <a:ext uri="{28A0092B-C50C-407E-A947-70E740481C1C}">
                 <a14:useLocalDpi xmlns:a14="http://schemas.microsoft.com/office/drawing/2010/main" val="0"/>
@@ -6602,24 +6658,19 @@
       </p:pic>
     </p:spTree>
     <p:custDataLst>
-      <p:tags r:id="rId1"/>
+      <p:tags r:id="rId2"/>
     </p:custDataLst>
-    <p:extLst>
-      <p:ext uri="{BB962C8B-B14F-4D97-AF65-F5344CB8AC3E}">
-        <p14:creationId xmlns:p14="http://schemas.microsoft.com/office/powerpoint/2010/main" val="911151740"/>
-      </p:ext>
-    </p:extLst>
   </p:cSld>
   <p:clrMapOvr>
     <a:masterClrMapping/>
   </p:clrMapOvr>
-  <mc:AlternateContent xmlns:mc="http://schemas.openxmlformats.org/markup-compatibility/2006" xmlns:p14="http://schemas.microsoft.com/office/powerpoint/2010/main">
-    <mc:Choice Requires="p14">
+  <mc:AlternateContent xmlns:mc="http://schemas.openxmlformats.org/markup-compatibility/2006">
+    <mc:Choice xmlns:p14="http://schemas.microsoft.com/office/powerpoint/2010/main" Requires="p14">
       <p:transition spd="med" p14:dur="700">
         <p:fade/>
       </p:transition>
     </mc:Choice>
-    <mc:Fallback xmlns="">
+    <mc:Fallback>
       <p:transition spd="med">
         <p:fade/>
       </p:transition>
@@ -6629,56 +6680,56 @@
 </file>
 
 <file path=ppt/tags/tag1.xml><?xml version="1.0" encoding="utf-8"?>
-<p:tagLst xmlns:a="http://schemas.openxmlformats.org/drawingml/2006/main" xmlns:r="http://schemas.openxmlformats.org/officeDocument/2006/relationships" xmlns:p="http://schemas.openxmlformats.org/presentationml/2006/main">
+<p:tagLst xmlns:p="http://schemas.openxmlformats.org/presentationml/2006/main">
   <p:tag name="POINTS" val="1"/>
   <p:tag name="TIME" val="15"/>
 </p:tagLst>
 </file>
 
 <file path=ppt/tags/tag2.xml><?xml version="1.0" encoding="utf-8"?>
-<p:tagLst xmlns:a="http://schemas.openxmlformats.org/drawingml/2006/main" xmlns:r="http://schemas.openxmlformats.org/officeDocument/2006/relationships" xmlns:p="http://schemas.openxmlformats.org/presentationml/2006/main">
+<p:tagLst xmlns:p="http://schemas.openxmlformats.org/presentationml/2006/main">
   <p:tag name="POINTS" val="1"/>
   <p:tag name="TIME" val="15"/>
 </p:tagLst>
 </file>
 
 <file path=ppt/tags/tag3.xml><?xml version="1.0" encoding="utf-8"?>
-<p:tagLst xmlns:a="http://schemas.openxmlformats.org/drawingml/2006/main" xmlns:r="http://schemas.openxmlformats.org/officeDocument/2006/relationships" xmlns:p="http://schemas.openxmlformats.org/presentationml/2006/main">
+<p:tagLst xmlns:p="http://schemas.openxmlformats.org/presentationml/2006/main">
   <p:tag name="POINTS" val="1"/>
   <p:tag name="TIME" val="15"/>
 </p:tagLst>
 </file>
 
 <file path=ppt/tags/tag4.xml><?xml version="1.0" encoding="utf-8"?>
-<p:tagLst xmlns:a="http://schemas.openxmlformats.org/drawingml/2006/main" xmlns:r="http://schemas.openxmlformats.org/officeDocument/2006/relationships" xmlns:p="http://schemas.openxmlformats.org/presentationml/2006/main">
+<p:tagLst xmlns:p="http://schemas.openxmlformats.org/presentationml/2006/main">
   <p:tag name="POINTS" val="1"/>
   <p:tag name="TIME" val="15"/>
 </p:tagLst>
 </file>
 
 <file path=ppt/tags/tag5.xml><?xml version="1.0" encoding="utf-8"?>
-<p:tagLst xmlns:a="http://schemas.openxmlformats.org/drawingml/2006/main" xmlns:r="http://schemas.openxmlformats.org/officeDocument/2006/relationships" xmlns:p="http://schemas.openxmlformats.org/presentationml/2006/main">
+<p:tagLst xmlns:p="http://schemas.openxmlformats.org/presentationml/2006/main">
   <p:tag name="POINTS" val="1"/>
   <p:tag name="TIME" val="15"/>
 </p:tagLst>
 </file>
 
 <file path=ppt/tags/tag6.xml><?xml version="1.0" encoding="utf-8"?>
-<p:tagLst xmlns:a="http://schemas.openxmlformats.org/drawingml/2006/main" xmlns:r="http://schemas.openxmlformats.org/officeDocument/2006/relationships" xmlns:p="http://schemas.openxmlformats.org/presentationml/2006/main">
+<p:tagLst xmlns:p="http://schemas.openxmlformats.org/presentationml/2006/main">
   <p:tag name="POINTS" val="1"/>
   <p:tag name="TIME" val="15"/>
 </p:tagLst>
 </file>
 
 <file path=ppt/tags/tag7.xml><?xml version="1.0" encoding="utf-8"?>
-<p:tagLst xmlns:a="http://schemas.openxmlformats.org/drawingml/2006/main" xmlns:r="http://schemas.openxmlformats.org/officeDocument/2006/relationships" xmlns:p="http://schemas.openxmlformats.org/presentationml/2006/main">
+<p:tagLst xmlns:p="http://schemas.openxmlformats.org/presentationml/2006/main">
   <p:tag name="POINTS" val="1"/>
   <p:tag name="TIME" val="15"/>
 </p:tagLst>
 </file>
 
 <file path=ppt/tags/tag8.xml><?xml version="1.0" encoding="utf-8"?>
-<p:tagLst xmlns:a="http://schemas.openxmlformats.org/drawingml/2006/main" xmlns:r="http://schemas.openxmlformats.org/officeDocument/2006/relationships" xmlns:p="http://schemas.openxmlformats.org/presentationml/2006/main">
+<p:tagLst xmlns:p="http://schemas.openxmlformats.org/presentationml/2006/main">
   <p:tag name="POINTS" val="1"/>
   <p:tag name="TIME" val="15"/>
 </p:tagLst>
@@ -6935,11 +6986,9 @@
       </a:bgFillStyleLst>
     </a:fmtScheme>
   </a:themeElements>
-  <a:objectDefaults/>
-  <a:extraClrSchemeLst/>
   <a:extLst>
     <a:ext uri="{05A4C25C-085E-4340-85A3-A5531E510DB2}">
-      <thm15:themeFamily xmlns:thm15="http://schemas.microsoft.com/office/thememl/2012/main" name="Business contrast presentation (widescreen).potx" id="{7A5589E3-C8FC-42FF-9F45-97961AC9204A}" vid="{8FC8D05C-4C37-46F2-BA08-1F1922797ED2}"/>
+      <thm15:themeFamily xmlns:thm15="http://schemas.microsoft.com/office/thememl/2012/main" name="Office Theme" id="{62F939B6-93AF-4DB8-9C6B-D6C7DFDC589F}" vid="{4A3C46E8-61CC-4603-A589-7422A47A8E4A}"/>
     </a:ext>
   </a:extLst>
 </a:theme>
@@ -7196,8 +7245,11 @@
       </a:bgFillStyleLst>
     </a:fmtScheme>
   </a:themeElements>
-  <a:objectDefaults/>
-  <a:extraClrSchemeLst/>
+  <a:extLst>
+    <a:ext uri="{05A4C25C-085E-4340-85A3-A5531E510DB2}">
+      <thm15:themeFamily xmlns:thm15="http://schemas.microsoft.com/office/thememl/2012/main" name="Office Theme" id="{62F939B6-93AF-4DB8-9C6B-D6C7DFDC589F}" vid="{4A3C46E8-61CC-4603-A589-7422A47A8E4A}"/>
+    </a:ext>
+  </a:extLst>
 </a:theme>
 </file>
 
@@ -7452,7 +7504,10 @@
       </a:bgFillStyleLst>
     </a:fmtScheme>
   </a:themeElements>
-  <a:objectDefaults/>
-  <a:extraClrSchemeLst/>
+  <a:extLst>
+    <a:ext uri="{05A4C25C-085E-4340-85A3-A5531E510DB2}">
+      <thm15:themeFamily xmlns:thm15="http://schemas.microsoft.com/office/thememl/2012/main" name="Office Theme" id="{62F939B6-93AF-4DB8-9C6B-D6C7DFDC589F}" vid="{4A3C46E8-61CC-4603-A589-7422A47A8E4A}"/>
+    </a:ext>
+  </a:extLst>
 </a:theme>
 </file>